--- a/과제3_2019124206_황현택.pptx
+++ b/과제3_2019124206_황현택.pptx
@@ -7,6 +7,14 @@
   <p:sldIdLst>
     <p:sldId id="256" r:id="rId2"/>
     <p:sldId id="257" r:id="rId3"/>
+    <p:sldId id="258" r:id="rId4"/>
+    <p:sldId id="260" r:id="rId5"/>
+    <p:sldId id="261" r:id="rId6"/>
+    <p:sldId id="263" r:id="rId7"/>
+    <p:sldId id="262" r:id="rId8"/>
+    <p:sldId id="264" r:id="rId9"/>
+    <p:sldId id="265" r:id="rId10"/>
+    <p:sldId id="259" r:id="rId11"/>
   </p:sldIdLst>
   <p:sldSz cx="12192000" cy="6858000"/>
   <p:notesSz cx="6858000" cy="9144000"/>
@@ -105,6 +113,11 @@
       </a:defRPr>
     </a:lvl9pPr>
   </p:defaultTextStyle>
+  <p:extLst>
+    <p:ext uri="{EFAFB233-063F-42B5-8137-9DF3F51BA10A}">
+      <p15:sldGuideLst xmlns:p15="http://schemas.microsoft.com/office/powerpoint/2012/main"/>
+    </p:ext>
+  </p:extLst>
 </p:presentation>
 </file>
 
@@ -255,7 +268,7 @@
           <a:p>
             <a:fld id="{5476AA8B-2039-504E-A622-7B576D6FDB9B}" type="datetimeFigureOut">
               <a:rPr kumimoji="1" lang="ko-KR" altLang="en-US" smtClean="0"/>
-              <a:t>2022. 5. 28.</a:t>
+              <a:t>2022. 5. 29.</a:t>
             </a:fld>
             <a:endParaRPr kumimoji="1" lang="ko-KR" altLang="en-US"/>
           </a:p>
@@ -453,7 +466,7 @@
           <a:p>
             <a:fld id="{5476AA8B-2039-504E-A622-7B576D6FDB9B}" type="datetimeFigureOut">
               <a:rPr kumimoji="1" lang="ko-KR" altLang="en-US" smtClean="0"/>
-              <a:t>2022. 5. 28.</a:t>
+              <a:t>2022. 5. 29.</a:t>
             </a:fld>
             <a:endParaRPr kumimoji="1" lang="ko-KR" altLang="en-US"/>
           </a:p>
@@ -661,7 +674,7 @@
           <a:p>
             <a:fld id="{5476AA8B-2039-504E-A622-7B576D6FDB9B}" type="datetimeFigureOut">
               <a:rPr kumimoji="1" lang="ko-KR" altLang="en-US" smtClean="0"/>
-              <a:t>2022. 5. 28.</a:t>
+              <a:t>2022. 5. 29.</a:t>
             </a:fld>
             <a:endParaRPr kumimoji="1" lang="ko-KR" altLang="en-US"/>
           </a:p>
@@ -859,7 +872,7 @@
           <a:p>
             <a:fld id="{5476AA8B-2039-504E-A622-7B576D6FDB9B}" type="datetimeFigureOut">
               <a:rPr kumimoji="1" lang="ko-KR" altLang="en-US" smtClean="0"/>
-              <a:t>2022. 5. 28.</a:t>
+              <a:t>2022. 5. 29.</a:t>
             </a:fld>
             <a:endParaRPr kumimoji="1" lang="ko-KR" altLang="en-US"/>
           </a:p>
@@ -1134,7 +1147,7 @@
           <a:p>
             <a:fld id="{5476AA8B-2039-504E-A622-7B576D6FDB9B}" type="datetimeFigureOut">
               <a:rPr kumimoji="1" lang="ko-KR" altLang="en-US" smtClean="0"/>
-              <a:t>2022. 5. 28.</a:t>
+              <a:t>2022. 5. 29.</a:t>
             </a:fld>
             <a:endParaRPr kumimoji="1" lang="ko-KR" altLang="en-US"/>
           </a:p>
@@ -1399,7 +1412,7 @@
           <a:p>
             <a:fld id="{5476AA8B-2039-504E-A622-7B576D6FDB9B}" type="datetimeFigureOut">
               <a:rPr kumimoji="1" lang="ko-KR" altLang="en-US" smtClean="0"/>
-              <a:t>2022. 5. 28.</a:t>
+              <a:t>2022. 5. 29.</a:t>
             </a:fld>
             <a:endParaRPr kumimoji="1" lang="ko-KR" altLang="en-US"/>
           </a:p>
@@ -1811,7 +1824,7 @@
           <a:p>
             <a:fld id="{5476AA8B-2039-504E-A622-7B576D6FDB9B}" type="datetimeFigureOut">
               <a:rPr kumimoji="1" lang="ko-KR" altLang="en-US" smtClean="0"/>
-              <a:t>2022. 5. 28.</a:t>
+              <a:t>2022. 5. 29.</a:t>
             </a:fld>
             <a:endParaRPr kumimoji="1" lang="ko-KR" altLang="en-US"/>
           </a:p>
@@ -1952,7 +1965,7 @@
           <a:p>
             <a:fld id="{5476AA8B-2039-504E-A622-7B576D6FDB9B}" type="datetimeFigureOut">
               <a:rPr kumimoji="1" lang="ko-KR" altLang="en-US" smtClean="0"/>
-              <a:t>2022. 5. 28.</a:t>
+              <a:t>2022. 5. 29.</a:t>
             </a:fld>
             <a:endParaRPr kumimoji="1" lang="ko-KR" altLang="en-US"/>
           </a:p>
@@ -2065,7 +2078,7 @@
           <a:p>
             <a:fld id="{5476AA8B-2039-504E-A622-7B576D6FDB9B}" type="datetimeFigureOut">
               <a:rPr kumimoji="1" lang="ko-KR" altLang="en-US" smtClean="0"/>
-              <a:t>2022. 5. 28.</a:t>
+              <a:t>2022. 5. 29.</a:t>
             </a:fld>
             <a:endParaRPr kumimoji="1" lang="ko-KR" altLang="en-US"/>
           </a:p>
@@ -2376,7 +2389,7 @@
           <a:p>
             <a:fld id="{5476AA8B-2039-504E-A622-7B576D6FDB9B}" type="datetimeFigureOut">
               <a:rPr kumimoji="1" lang="ko-KR" altLang="en-US" smtClean="0"/>
-              <a:t>2022. 5. 28.</a:t>
+              <a:t>2022. 5. 29.</a:t>
             </a:fld>
             <a:endParaRPr kumimoji="1" lang="ko-KR" altLang="en-US"/>
           </a:p>
@@ -2664,7 +2677,7 @@
           <a:p>
             <a:fld id="{5476AA8B-2039-504E-A622-7B576D6FDB9B}" type="datetimeFigureOut">
               <a:rPr kumimoji="1" lang="ko-KR" altLang="en-US" smtClean="0"/>
-              <a:t>2022. 5. 28.</a:t>
+              <a:t>2022. 5. 29.</a:t>
             </a:fld>
             <a:endParaRPr kumimoji="1" lang="ko-KR" altLang="en-US"/>
           </a:p>
@@ -2905,7 +2918,7 @@
           <a:p>
             <a:fld id="{5476AA8B-2039-504E-A622-7B576D6FDB9B}" type="datetimeFigureOut">
               <a:rPr kumimoji="1" lang="ko-KR" altLang="en-US" smtClean="0"/>
-              <a:t>2022. 5. 28.</a:t>
+              <a:t>2022. 5. 29.</a:t>
             </a:fld>
             <a:endParaRPr kumimoji="1" lang="ko-KR" altLang="en-US"/>
           </a:p>
@@ -3395,7 +3408,7 @@
         </p:nvSpPr>
         <p:spPr>
           <a:xfrm>
-            <a:off x="1524000" y="4907756"/>
+            <a:off x="1524000" y="5196618"/>
             <a:ext cx="9144000" cy="1655762"/>
           </a:xfrm>
         </p:spPr>
@@ -3404,8 +3417,30 @@
           <a:lstStyle/>
           <a:p>
             <a:r>
+              <a:rPr kumimoji="1" lang="ko-KR" altLang="en-US" dirty="0"/>
+              <a:t>학번 </a:t>
+            </a:r>
+            <a:r>
+              <a:rPr kumimoji="1" lang="en-US" altLang="ko-KR" dirty="0"/>
+              <a:t>:</a:t>
+            </a:r>
+            <a:r>
+              <a:rPr kumimoji="1" lang="ko-KR" altLang="en-US" dirty="0"/>
+              <a:t> </a:t>
+            </a:r>
+            <a:r>
               <a:rPr kumimoji="1" lang="en-US" altLang="ko-KR" dirty="0"/>
               <a:t>2019124206</a:t>
+            </a:r>
+          </a:p>
+          <a:p>
+            <a:r>
+              <a:rPr kumimoji="1" lang="ko-KR" altLang="en-US" dirty="0"/>
+              <a:t>이름 </a:t>
+            </a:r>
+            <a:r>
+              <a:rPr kumimoji="1" lang="en-US" altLang="ko-KR" dirty="0"/>
+              <a:t>:</a:t>
             </a:r>
             <a:r>
               <a:rPr kumimoji="1" lang="ko-KR" altLang="en-US" dirty="0"/>
@@ -3414,6 +3449,41 @@
             <a:r>
               <a:rPr kumimoji="1" lang="ko-KR" altLang="en-US" dirty="0" err="1"/>
               <a:t>황현택</a:t>
+            </a:r>
+            <a:endParaRPr kumimoji="1" lang="en-US" altLang="ko-KR" dirty="0"/>
+          </a:p>
+          <a:p>
+            <a:r>
+              <a:rPr kumimoji="1" lang="ko-KR" altLang="en-US" dirty="0"/>
+              <a:t>수업 </a:t>
+            </a:r>
+            <a:r>
+              <a:rPr kumimoji="1" lang="en-US" altLang="ko-KR" dirty="0"/>
+              <a:t>:</a:t>
+            </a:r>
+            <a:r>
+              <a:rPr kumimoji="1" lang="ko-KR" altLang="en-US" dirty="0"/>
+              <a:t> 화요일 </a:t>
+            </a:r>
+            <a:r>
+              <a:rPr kumimoji="1" lang="en-US" altLang="ko-KR" dirty="0"/>
+              <a:t>15:00</a:t>
+            </a:r>
+            <a:r>
+              <a:rPr kumimoji="1" lang="ko-KR" altLang="en-US" dirty="0"/>
+              <a:t> </a:t>
+            </a:r>
+            <a:r>
+              <a:rPr kumimoji="1" lang="en-US" altLang="ko-KR" dirty="0"/>
+              <a:t>/</a:t>
+            </a:r>
+            <a:r>
+              <a:rPr kumimoji="1" lang="ko-KR" altLang="en-US" dirty="0"/>
+              <a:t> 목요일 </a:t>
+            </a:r>
+            <a:r>
+              <a:rPr kumimoji="1" lang="en-US" altLang="ko-KR" dirty="0"/>
+              <a:t>13:30</a:t>
             </a:r>
             <a:endParaRPr kumimoji="1" lang="ko-KR" altLang="en-US" dirty="0"/>
           </a:p>
@@ -3423,6 +3493,418 @@
     <p:extLst>
       <p:ext uri="{BB962C8B-B14F-4D97-AF65-F5344CB8AC3E}">
         <p14:creationId xmlns:p14="http://schemas.microsoft.com/office/powerpoint/2010/main" val="1451706325"/>
+      </p:ext>
+    </p:extLst>
+  </p:cSld>
+  <p:clrMapOvr>
+    <a:masterClrMapping/>
+  </p:clrMapOvr>
+</p:sld>
+</file>
+
+<file path=ppt/slides/slide10.xml><?xml version="1.0" encoding="utf-8"?>
+<p:sld xmlns:a="http://schemas.openxmlformats.org/drawingml/2006/main" xmlns:r="http://schemas.openxmlformats.org/officeDocument/2006/relationships" xmlns:p="http://schemas.openxmlformats.org/presentationml/2006/main">
+  <p:cSld>
+    <p:spTree>
+      <p:nvGrpSpPr>
+        <p:cNvPr id="1" name=""/>
+        <p:cNvGrpSpPr/>
+        <p:nvPr/>
+      </p:nvGrpSpPr>
+      <p:grpSpPr>
+        <a:xfrm>
+          <a:off x="0" y="0"/>
+          <a:ext cx="0" cy="0"/>
+          <a:chOff x="0" y="0"/>
+          <a:chExt cx="0" cy="0"/>
+        </a:xfrm>
+      </p:grpSpPr>
+      <p:sp>
+        <p:nvSpPr>
+          <p:cNvPr id="2" name="제목 1">
+            <a:extLst>
+              <a:ext uri="{FF2B5EF4-FFF2-40B4-BE49-F238E27FC236}">
+                <a16:creationId xmlns:a16="http://schemas.microsoft.com/office/drawing/2014/main" id="{BC854457-65EF-6099-F508-ADB7C795B07D}"/>
+              </a:ext>
+            </a:extLst>
+          </p:cNvPr>
+          <p:cNvSpPr>
+            <a:spLocks noGrp="1"/>
+          </p:cNvSpPr>
+          <p:nvPr>
+            <p:ph type="title"/>
+          </p:nvPr>
+        </p:nvSpPr>
+        <p:spPr/>
+        <p:txBody>
+          <a:bodyPr/>
+          <a:lstStyle/>
+          <a:p>
+            <a:r>
+              <a:rPr kumimoji="1" lang="ko-KR" altLang="en-US" dirty="0"/>
+              <a:t>결론</a:t>
+            </a:r>
+          </a:p>
+        </p:txBody>
+      </p:sp>
+      <p:sp>
+        <p:nvSpPr>
+          <p:cNvPr id="3" name="내용 개체 틀 2">
+            <a:extLst>
+              <a:ext uri="{FF2B5EF4-FFF2-40B4-BE49-F238E27FC236}">
+                <a16:creationId xmlns:a16="http://schemas.microsoft.com/office/drawing/2014/main" id="{F1E7C0A3-A394-B590-9524-AF904029814F}"/>
+              </a:ext>
+            </a:extLst>
+          </p:cNvPr>
+          <p:cNvSpPr>
+            <a:spLocks noGrp="1"/>
+          </p:cNvSpPr>
+          <p:nvPr>
+            <p:ph idx="1"/>
+          </p:nvPr>
+        </p:nvSpPr>
+        <p:spPr>
+          <a:xfrm>
+            <a:off x="838200" y="1825624"/>
+            <a:ext cx="10515600" cy="4770247"/>
+          </a:xfrm>
+        </p:spPr>
+        <p:txBody>
+          <a:bodyPr>
+            <a:normAutofit/>
+          </a:bodyPr>
+          <a:lstStyle/>
+          <a:p>
+            <a:pPr marL="0" indent="0">
+              <a:buNone/>
+            </a:pPr>
+            <a:r>
+              <a:rPr kumimoji="1" lang="en-US" altLang="ko-KR" sz="1800" dirty="0"/>
+              <a:t>1.</a:t>
+            </a:r>
+            <a:r>
+              <a:rPr kumimoji="1" lang="ko-KR" altLang="en-US" sz="1800" dirty="0"/>
+              <a:t> 프로그램을 돌릴 때마다 학습하는 방식이 달라지기 때문에 종료조건을 만족시킬 때도</a:t>
+            </a:r>
+            <a:r>
+              <a:rPr kumimoji="1" lang="en-US" altLang="ko-KR" sz="1800" dirty="0"/>
+              <a:t>,</a:t>
+            </a:r>
+            <a:r>
+              <a:rPr kumimoji="1" lang="ko-KR" altLang="en-US" sz="1800" dirty="0"/>
+              <a:t> 만족시키지    </a:t>
+            </a:r>
+            <a:endParaRPr kumimoji="1" lang="en-US" altLang="ko-KR" sz="1800" dirty="0"/>
+          </a:p>
+          <a:p>
+            <a:pPr marL="0" indent="0">
+              <a:buNone/>
+            </a:pPr>
+            <a:r>
+              <a:rPr kumimoji="1" lang="ko-KR" altLang="en-US" sz="1800" dirty="0"/>
+              <a:t>  못할 때도 있다</a:t>
+            </a:r>
+            <a:r>
+              <a:rPr kumimoji="1" lang="en-US" altLang="ko-KR" sz="1800" dirty="0"/>
+              <a:t>.</a:t>
+            </a:r>
+            <a:r>
+              <a:rPr kumimoji="1" lang="ko-KR" altLang="en-US" sz="1800" dirty="0"/>
+              <a:t> 그래도 </a:t>
+            </a:r>
+            <a:r>
+              <a:rPr kumimoji="1" lang="ko-KR" altLang="en-US" sz="1800" dirty="0">
+                <a:solidFill>
+                  <a:srgbClr val="FF0000"/>
+                </a:solidFill>
+              </a:rPr>
+              <a:t>학습이 진행될수록 </a:t>
+            </a:r>
+            <a:r>
+              <a:rPr kumimoji="1" lang="ko-KR" altLang="en-US" sz="1800" dirty="0" err="1">
+                <a:solidFill>
+                  <a:srgbClr val="FF0000"/>
+                </a:solidFill>
+              </a:rPr>
+              <a:t>함수값이</a:t>
+            </a:r>
+            <a:r>
+              <a:rPr kumimoji="1" lang="ko-KR" altLang="en-US" sz="1800" dirty="0">
+                <a:solidFill>
+                  <a:srgbClr val="FF0000"/>
+                </a:solidFill>
+              </a:rPr>
+              <a:t> 증가하는 방향으로 진화</a:t>
+            </a:r>
+            <a:r>
+              <a:rPr kumimoji="1" lang="ko-KR" altLang="en-US" sz="1800" dirty="0"/>
+              <a:t>해 나가는 것을 볼 수 </a:t>
+            </a:r>
+            <a:endParaRPr kumimoji="1" lang="en-US" altLang="ko-KR" sz="1800" dirty="0"/>
+          </a:p>
+          <a:p>
+            <a:pPr marL="0" indent="0">
+              <a:buNone/>
+            </a:pPr>
+            <a:r>
+              <a:rPr kumimoji="1" lang="ko-KR" altLang="en-US" sz="1800" dirty="0"/>
+              <a:t>  있다</a:t>
+            </a:r>
+            <a:r>
+              <a:rPr kumimoji="1" lang="en-US" altLang="ko-KR" sz="1800" dirty="0"/>
+              <a:t>.</a:t>
+            </a:r>
+            <a:r>
+              <a:rPr kumimoji="1" lang="ko-KR" altLang="en-US" sz="1800" dirty="0"/>
+              <a:t> </a:t>
+            </a:r>
+            <a:endParaRPr kumimoji="1" lang="en-US" altLang="ko-KR" sz="1800" dirty="0"/>
+          </a:p>
+          <a:p>
+            <a:pPr marL="0" indent="0">
+              <a:buNone/>
+            </a:pPr>
+            <a:r>
+              <a:rPr kumimoji="1" lang="en-US" altLang="ko-KR" sz="1800" dirty="0"/>
+              <a:t>2.</a:t>
+            </a:r>
+            <a:r>
+              <a:rPr kumimoji="1" lang="ko-KR" altLang="en-US" sz="1800" dirty="0"/>
+              <a:t> 초기 개체를 설정할 때 운이 좋으면 종료조건인 </a:t>
+            </a:r>
+            <a:r>
+              <a:rPr kumimoji="1" lang="en-US" altLang="ko-KR" sz="1800" dirty="0"/>
+              <a:t>2.85</a:t>
+            </a:r>
+            <a:r>
+              <a:rPr kumimoji="1" lang="ko-KR" altLang="en-US" sz="1800" dirty="0"/>
+              <a:t>가 넘는 상황이 생겼다</a:t>
+            </a:r>
+            <a:r>
+              <a:rPr kumimoji="1" lang="en-US" altLang="ko-KR" sz="1800" dirty="0"/>
+              <a:t>.</a:t>
+            </a:r>
+            <a:r>
+              <a:rPr kumimoji="1" lang="ko-KR" altLang="en-US" sz="1800" dirty="0"/>
+              <a:t> 이러한 경우는 학습</a:t>
+            </a:r>
+            <a:endParaRPr kumimoji="1" lang="en-US" altLang="ko-KR" sz="1800" dirty="0"/>
+          </a:p>
+          <a:p>
+            <a:pPr marL="0" indent="0">
+              <a:buNone/>
+            </a:pPr>
+            <a:r>
+              <a:rPr kumimoji="1" lang="ko-KR" altLang="en-US" sz="1800" dirty="0"/>
+              <a:t>  단계를 거치지 않고 프로그램이 바로 종료한다</a:t>
+            </a:r>
+            <a:r>
+              <a:rPr kumimoji="1" lang="en-US" altLang="ko-KR" sz="1800" dirty="0"/>
+              <a:t>.</a:t>
+            </a:r>
+          </a:p>
+          <a:p>
+            <a:pPr marL="0" indent="0">
+              <a:buNone/>
+            </a:pPr>
+            <a:r>
+              <a:rPr kumimoji="1" lang="en-US" altLang="ko-KR" sz="1800" dirty="0"/>
+              <a:t>3.</a:t>
+            </a:r>
+            <a:r>
+              <a:rPr kumimoji="1" lang="ko-KR" altLang="en-US" sz="1800" dirty="0"/>
+              <a:t> 학습을 하면 최댓값이 커지긴 하지만</a:t>
+            </a:r>
+            <a:r>
+              <a:rPr kumimoji="1" lang="en-US" altLang="ko-KR" sz="1800" dirty="0"/>
+              <a:t>,</a:t>
+            </a:r>
+            <a:r>
+              <a:rPr kumimoji="1" lang="ko-KR" altLang="en-US" sz="1800" dirty="0"/>
+              <a:t> 항상 증가하는 것은 아니었다</a:t>
+            </a:r>
+            <a:r>
+              <a:rPr kumimoji="1" lang="en-US" altLang="ko-KR" sz="1800" dirty="0"/>
+              <a:t>.</a:t>
+            </a:r>
+            <a:r>
+              <a:rPr kumimoji="1" lang="ko-KR" altLang="en-US" sz="1800" dirty="0"/>
+              <a:t> 그래프로 표현하자면 최댓값</a:t>
+            </a:r>
+            <a:endParaRPr kumimoji="1" lang="en-US" altLang="ko-KR" sz="1800" dirty="0"/>
+          </a:p>
+          <a:p>
+            <a:pPr marL="0" indent="0">
+              <a:buNone/>
+            </a:pPr>
+            <a:r>
+              <a:rPr kumimoji="1" lang="ko-KR" altLang="en-US" sz="1800" dirty="0"/>
+              <a:t>   에 근접할 경우 </a:t>
+            </a:r>
+            <a:r>
+              <a:rPr kumimoji="1" lang="ko-KR" altLang="en-US" sz="1800" dirty="0">
+                <a:solidFill>
+                  <a:srgbClr val="FF0000"/>
+                </a:solidFill>
+              </a:rPr>
+              <a:t>진동하는 형태</a:t>
+            </a:r>
+            <a:r>
+              <a:rPr kumimoji="1" lang="ko-KR" altLang="en-US" sz="1800" dirty="0"/>
+              <a:t>를 띈다고 할 수 있다</a:t>
+            </a:r>
+            <a:r>
+              <a:rPr kumimoji="1" lang="en-US" altLang="ko-KR" sz="1800" dirty="0"/>
+              <a:t>.</a:t>
+            </a:r>
+            <a:r>
+              <a:rPr kumimoji="1" lang="ko-KR" altLang="en-US" sz="1800" dirty="0"/>
+              <a:t> 최댓값인 </a:t>
+            </a:r>
+            <a:r>
+              <a:rPr kumimoji="1" lang="en-US" altLang="ko-KR" sz="1800" dirty="0"/>
+              <a:t>2.85</a:t>
+            </a:r>
+            <a:r>
+              <a:rPr kumimoji="1" lang="ko-KR" altLang="en-US" sz="1800" dirty="0"/>
+              <a:t> 근처에서 급격하게 감소하지</a:t>
+            </a:r>
+            <a:endParaRPr kumimoji="1" lang="en-US" altLang="ko-KR" sz="1800" dirty="0"/>
+          </a:p>
+          <a:p>
+            <a:pPr marL="0" indent="0">
+              <a:buNone/>
+            </a:pPr>
+            <a:r>
+              <a:rPr kumimoji="1" lang="ko-KR" altLang="en-US" sz="1800" dirty="0"/>
+              <a:t>   않고 꾸준히 진동을 하며 최댓값 근처 값을 찾아내게 된다</a:t>
+            </a:r>
+            <a:r>
+              <a:rPr kumimoji="1" lang="en-US" altLang="ko-KR" sz="1800" dirty="0"/>
+              <a:t>.</a:t>
+            </a:r>
+          </a:p>
+          <a:p>
+            <a:pPr marL="0" indent="0">
+              <a:buNone/>
+            </a:pPr>
+            <a:r>
+              <a:rPr kumimoji="1" lang="en-US" altLang="ko-KR" sz="1800" dirty="0"/>
+              <a:t>4.</a:t>
+            </a:r>
+            <a:r>
+              <a:rPr kumimoji="1" lang="ko-KR" altLang="en-US" sz="1800" dirty="0"/>
+              <a:t> 어떠한 학습방법이 최선일지는 모르지만 나름 학습이 잘 진행된 것 같다</a:t>
+            </a:r>
+            <a:r>
+              <a:rPr kumimoji="1" lang="en-US" altLang="ko-KR" sz="1800" dirty="0"/>
+              <a:t>.</a:t>
+            </a:r>
+            <a:r>
+              <a:rPr kumimoji="1" lang="ko-KR" altLang="en-US" sz="1800" dirty="0"/>
+              <a:t> 이러한 요인에는 </a:t>
+            </a:r>
+            <a:r>
+              <a:rPr kumimoji="1" lang="ko-KR" altLang="en-US" sz="1800" dirty="0" err="1">
+                <a:solidFill>
+                  <a:srgbClr val="FF0000"/>
+                </a:solidFill>
+              </a:rPr>
+              <a:t>룰렛</a:t>
+            </a:r>
+            <a:r>
+              <a:rPr kumimoji="1" lang="ko-KR" altLang="en-US" sz="1800" dirty="0">
+                <a:solidFill>
+                  <a:srgbClr val="FF0000"/>
+                </a:solidFill>
+              </a:rPr>
+              <a:t> 휠</a:t>
+            </a:r>
+            <a:endParaRPr kumimoji="1" lang="en-US" altLang="ko-KR" sz="1800" dirty="0">
+              <a:solidFill>
+                <a:srgbClr val="FF0000"/>
+              </a:solidFill>
+            </a:endParaRPr>
+          </a:p>
+          <a:p>
+            <a:pPr marL="0" indent="0">
+              <a:buNone/>
+            </a:pPr>
+            <a:r>
+              <a:rPr kumimoji="1" lang="ko-KR" altLang="en-US" sz="1800" dirty="0">
+                <a:solidFill>
+                  <a:srgbClr val="FF0000"/>
+                </a:solidFill>
+              </a:rPr>
+              <a:t>   선택</a:t>
+            </a:r>
+            <a:r>
+              <a:rPr kumimoji="1" lang="ko-KR" altLang="en-US" sz="1800" dirty="0"/>
+              <a:t> 방식이 가장 큰 영향을 끼쳤을 것이라고 예상 된다</a:t>
+            </a:r>
+            <a:r>
+              <a:rPr kumimoji="1" lang="en-US" altLang="ko-KR" sz="1800" dirty="0"/>
+              <a:t>.</a:t>
+            </a:r>
+          </a:p>
+          <a:p>
+            <a:pPr marL="0" indent="0">
+              <a:buNone/>
+            </a:pPr>
+            <a:endParaRPr kumimoji="1" lang="en-US" altLang="ko-KR" sz="1800" dirty="0"/>
+          </a:p>
+          <a:p>
+            <a:pPr marL="0" indent="0">
+              <a:buNone/>
+            </a:pPr>
+            <a:r>
+              <a:rPr kumimoji="1" lang="en-US" altLang="ko-KR" sz="1800" dirty="0" err="1"/>
+              <a:t>Github</a:t>
+            </a:r>
+            <a:r>
+              <a:rPr kumimoji="1" lang="ko-KR" altLang="en-US" sz="1800" dirty="0"/>
+              <a:t> 주소</a:t>
+            </a:r>
+            <a:r>
+              <a:rPr kumimoji="1" lang="en-US" altLang="ko-KR" sz="1800" dirty="0"/>
+              <a:t>:</a:t>
+            </a:r>
+            <a:r>
+              <a:rPr kumimoji="1" lang="ko-KR" altLang="en-US" sz="1800" dirty="0"/>
+              <a:t> </a:t>
+            </a:r>
+            <a:r>
+              <a:rPr kumimoji="1" lang="en" altLang="ko-KR" sz="1800" dirty="0"/>
+              <a:t>https://</a:t>
+            </a:r>
+            <a:r>
+              <a:rPr kumimoji="1" lang="en" altLang="ko-KR" sz="1800" dirty="0" err="1"/>
+              <a:t>github.com</a:t>
+            </a:r>
+            <a:r>
+              <a:rPr kumimoji="1" lang="en" altLang="ko-KR" sz="1800" dirty="0"/>
+              <a:t>/</a:t>
+            </a:r>
+            <a:r>
+              <a:rPr kumimoji="1" lang="en" altLang="ko-KR" sz="1800" dirty="0" err="1"/>
+              <a:t>hhtboy</a:t>
+            </a:r>
+            <a:r>
+              <a:rPr kumimoji="1" lang="en" altLang="ko-KR" sz="1800" dirty="0"/>
+              <a:t>/</a:t>
+            </a:r>
+            <a:r>
+              <a:rPr kumimoji="1" lang="en" altLang="ko-KR" sz="1800" dirty="0" err="1"/>
+              <a:t>GeneticAlgorithm-FindMaxValue</a:t>
+            </a:r>
+            <a:endParaRPr kumimoji="1" lang="ko-KR" altLang="en-US" sz="1800" dirty="0"/>
+          </a:p>
+        </p:txBody>
+      </p:sp>
+    </p:spTree>
+    <p:extLst>
+      <p:ext uri="{BB962C8B-B14F-4D97-AF65-F5344CB8AC3E}">
+        <p14:creationId xmlns:p14="http://schemas.microsoft.com/office/powerpoint/2010/main" val="877410954"/>
       </p:ext>
     </p:extLst>
   </p:cSld>
@@ -3524,6 +4006,32 @@
             </a:r>
           </a:p>
           <a:p>
+            <a:r>
+              <a:rPr kumimoji="1" lang="ko-KR" altLang="en-US" dirty="0"/>
+              <a:t>사용 언어 </a:t>
+            </a:r>
+            <a:r>
+              <a:rPr kumimoji="1" lang="en-US" altLang="ko-KR" dirty="0"/>
+              <a:t>:</a:t>
+            </a:r>
+            <a:r>
+              <a:rPr kumimoji="1" lang="ko-KR" altLang="en-US" dirty="0"/>
+              <a:t> </a:t>
+            </a:r>
+            <a:r>
+              <a:rPr kumimoji="1" lang="en-US" altLang="ko-KR" dirty="0"/>
+              <a:t>Python(</a:t>
+            </a:r>
+            <a:r>
+              <a:rPr kumimoji="1" lang="en-US" altLang="ko-KR" dirty="0" err="1"/>
+              <a:t>conda</a:t>
+            </a:r>
+            <a:r>
+              <a:rPr kumimoji="1" lang="en-US" altLang="ko-KR" dirty="0"/>
+              <a:t>)</a:t>
+            </a:r>
+          </a:p>
+          <a:p>
             <a:endParaRPr kumimoji="1" lang="en-US" altLang="ko-KR" dirty="0"/>
           </a:p>
           <a:p>
@@ -3537,7 +4045,9 @@
             </a:r>
           </a:p>
           <a:p>
-            <a:pPr lvl="1"/>
+            <a:pPr marL="457200" lvl="1" indent="0">
+              <a:buNone/>
+            </a:pPr>
             <a:r>
               <a:rPr kumimoji="1" lang="en-US" altLang="ko-KR" dirty="0"/>
               <a:t>1.</a:t>
@@ -3560,7 +4070,9 @@
             </a:r>
           </a:p>
           <a:p>
-            <a:pPr lvl="1"/>
+            <a:pPr marL="457200" lvl="1" indent="0">
+              <a:buNone/>
+            </a:pPr>
             <a:r>
               <a:rPr lang="en-US" altLang="ko-KR" dirty="0">
                 <a:effectLst/>
@@ -3612,7 +4124,9 @@
             <a:endParaRPr lang="en-US" altLang="ko-KR" dirty="0"/>
           </a:p>
           <a:p>
-            <a:pPr lvl="1"/>
+            <a:pPr marL="457200" lvl="1" indent="0">
+              <a:buNone/>
+            </a:pPr>
             <a:r>
               <a:rPr lang="en-US" altLang="ko-KR" dirty="0">
                 <a:effectLst/>
@@ -3654,7 +4168,9 @@
             </a:endParaRPr>
           </a:p>
           <a:p>
-            <a:pPr lvl="1"/>
+            <a:pPr marL="457200" lvl="1" indent="0">
+              <a:buNone/>
+            </a:pPr>
             <a:r>
               <a:rPr lang="en-US" altLang="ko-KR" dirty="0">
                 <a:effectLst/>
@@ -3718,7 +4234,9 @@
             <a:endParaRPr lang="en-US" altLang="ko-KR" dirty="0"/>
           </a:p>
           <a:p>
-            <a:pPr lvl="1"/>
+            <a:pPr marL="457200" lvl="1" indent="0">
+              <a:buNone/>
+            </a:pPr>
             <a:r>
               <a:rPr lang="en-US" altLang="ko-KR" dirty="0">
                 <a:effectLst/>
@@ -3774,6 +4292,2221 @@
     <p:extLst>
       <p:ext uri="{BB962C8B-B14F-4D97-AF65-F5344CB8AC3E}">
         <p14:creationId xmlns:p14="http://schemas.microsoft.com/office/powerpoint/2010/main" val="4213940635"/>
+      </p:ext>
+    </p:extLst>
+  </p:cSld>
+  <p:clrMapOvr>
+    <a:masterClrMapping/>
+  </p:clrMapOvr>
+</p:sld>
+</file>
+
+<file path=ppt/slides/slide3.xml><?xml version="1.0" encoding="utf-8"?>
+<p:sld xmlns:a="http://schemas.openxmlformats.org/drawingml/2006/main" xmlns:r="http://schemas.openxmlformats.org/officeDocument/2006/relationships" xmlns:p="http://schemas.openxmlformats.org/presentationml/2006/main">
+  <p:cSld>
+    <p:spTree>
+      <p:nvGrpSpPr>
+        <p:cNvPr id="1" name=""/>
+        <p:cNvGrpSpPr/>
+        <p:nvPr/>
+      </p:nvGrpSpPr>
+      <p:grpSpPr>
+        <a:xfrm>
+          <a:off x="0" y="0"/>
+          <a:ext cx="0" cy="0"/>
+          <a:chOff x="0" y="0"/>
+          <a:chExt cx="0" cy="0"/>
+        </a:xfrm>
+      </p:grpSpPr>
+      <p:sp>
+        <p:nvSpPr>
+          <p:cNvPr id="2" name="제목 1">
+            <a:extLst>
+              <a:ext uri="{FF2B5EF4-FFF2-40B4-BE49-F238E27FC236}">
+                <a16:creationId xmlns:a16="http://schemas.microsoft.com/office/drawing/2014/main" id="{6020F1A9-E122-E80C-A7E5-34FCD545115A}"/>
+              </a:ext>
+            </a:extLst>
+          </p:cNvPr>
+          <p:cNvSpPr>
+            <a:spLocks noGrp="1"/>
+          </p:cNvSpPr>
+          <p:nvPr>
+            <p:ph type="title"/>
+          </p:nvPr>
+        </p:nvSpPr>
+        <p:spPr/>
+        <p:txBody>
+          <a:bodyPr/>
+          <a:lstStyle/>
+          <a:p>
+            <a:r>
+              <a:rPr kumimoji="1" lang="ko-KR" altLang="en-US" dirty="0"/>
+              <a:t>그래프 모양 및 </a:t>
+            </a:r>
+            <a:r>
+              <a:rPr kumimoji="1" lang="en-US" altLang="ko-KR" dirty="0"/>
+              <a:t>GA </a:t>
+            </a:r>
+            <a:r>
+              <a:rPr kumimoji="1" lang="ko-KR" altLang="en-US" dirty="0"/>
+              <a:t>순서</a:t>
+            </a:r>
+            <a:r>
+              <a:rPr kumimoji="1" lang="en-US" altLang="ko-KR" dirty="0"/>
+              <a:t>	</a:t>
+            </a:r>
+            <a:endParaRPr kumimoji="1" lang="ko-KR" altLang="en-US" dirty="0"/>
+          </a:p>
+        </p:txBody>
+      </p:sp>
+      <p:pic>
+        <p:nvPicPr>
+          <p:cNvPr id="1028" name="Picture 4">
+            <a:extLst>
+              <a:ext uri="{FF2B5EF4-FFF2-40B4-BE49-F238E27FC236}">
+                <a16:creationId xmlns:a16="http://schemas.microsoft.com/office/drawing/2014/main" id="{2DC05B48-7DA9-1F26-10B5-EB72F437B077}"/>
+              </a:ext>
+            </a:extLst>
+          </p:cNvPr>
+          <p:cNvPicPr>
+            <a:picLocks noGrp="1" noChangeAspect="1" noChangeArrowheads="1"/>
+          </p:cNvPicPr>
+          <p:nvPr>
+            <p:ph idx="1"/>
+          </p:nvPr>
+        </p:nvPicPr>
+        <p:blipFill>
+          <a:blip r:embed="rId2">
+            <a:extLst>
+              <a:ext uri="{28A0092B-C50C-407E-A947-70E740481C1C}">
+                <a14:useLocalDpi xmlns:a14="http://schemas.microsoft.com/office/drawing/2010/main" val="0"/>
+              </a:ext>
+            </a:extLst>
+          </a:blip>
+          <a:srcRect/>
+          <a:stretch>
+            <a:fillRect/>
+          </a:stretch>
+        </p:blipFill>
+        <p:spPr bwMode="auto">
+          <a:xfrm>
+            <a:off x="819187" y="4555776"/>
+            <a:ext cx="3422929" cy="2302224"/>
+          </a:xfrm>
+          <a:prstGeom prst="rect">
+            <a:avLst/>
+          </a:prstGeom>
+          <a:noFill/>
+          <a:extLst>
+            <a:ext uri="{909E8E84-426E-40DD-AFC4-6F175D3DCCD1}">
+              <a14:hiddenFill xmlns:a14="http://schemas.microsoft.com/office/drawing/2010/main">
+                <a:solidFill>
+                  <a:srgbClr val="FFFFFF"/>
+                </a:solidFill>
+              </a14:hiddenFill>
+            </a:ext>
+          </a:extLst>
+        </p:spPr>
+      </p:pic>
+      <p:pic>
+        <p:nvPicPr>
+          <p:cNvPr id="6" name="그림 5" descr="텍스트이(가) 표시된 사진&#10;&#10;자동 생성된 설명">
+            <a:extLst>
+              <a:ext uri="{FF2B5EF4-FFF2-40B4-BE49-F238E27FC236}">
+                <a16:creationId xmlns:a16="http://schemas.microsoft.com/office/drawing/2014/main" id="{40236020-4B93-6527-0A54-88DFD2F0B16C}"/>
+              </a:ext>
+            </a:extLst>
+          </p:cNvPr>
+          <p:cNvPicPr>
+            <a:picLocks noChangeAspect="1"/>
+          </p:cNvPicPr>
+          <p:nvPr/>
+        </p:nvPicPr>
+        <p:blipFill>
+          <a:blip r:embed="rId3"/>
+          <a:stretch>
+            <a:fillRect/>
+          </a:stretch>
+        </p:blipFill>
+        <p:spPr>
+          <a:xfrm>
+            <a:off x="819187" y="1438656"/>
+            <a:ext cx="3615002" cy="3023870"/>
+          </a:xfrm>
+          <a:prstGeom prst="rect">
+            <a:avLst/>
+          </a:prstGeom>
+        </p:spPr>
+      </p:pic>
+      <p:sp>
+        <p:nvSpPr>
+          <p:cNvPr id="7" name="TextBox 6">
+            <a:extLst>
+              <a:ext uri="{FF2B5EF4-FFF2-40B4-BE49-F238E27FC236}">
+                <a16:creationId xmlns:a16="http://schemas.microsoft.com/office/drawing/2014/main" id="{04329ACD-D3A7-154D-D325-F9F8EF42AE06}"/>
+              </a:ext>
+            </a:extLst>
+          </p:cNvPr>
+          <p:cNvSpPr txBox="1"/>
+          <p:nvPr/>
+        </p:nvSpPr>
+        <p:spPr>
+          <a:xfrm>
+            <a:off x="5937504" y="2064653"/>
+            <a:ext cx="6583680" cy="3970318"/>
+          </a:xfrm>
+          <a:prstGeom prst="rect">
+            <a:avLst/>
+          </a:prstGeom>
+          <a:noFill/>
+        </p:spPr>
+        <p:txBody>
+          <a:bodyPr wrap="square" rtlCol="0">
+            <a:spAutoFit/>
+          </a:bodyPr>
+          <a:lstStyle/>
+          <a:p>
+            <a:pPr marL="342900" indent="-342900">
+              <a:buAutoNum type="arabicPeriod"/>
+            </a:pPr>
+            <a:r>
+              <a:rPr kumimoji="1" lang="ko-KR" altLang="en-US" dirty="0"/>
+              <a:t>초기 개체 집단 만들기 </a:t>
+            </a:r>
+            <a:r>
+              <a:rPr kumimoji="1" lang="en-US" altLang="ko-KR" dirty="0"/>
+              <a:t>(100</a:t>
+            </a:r>
+            <a:r>
+              <a:rPr kumimoji="1" lang="ko-KR" altLang="en-US" dirty="0"/>
+              <a:t> 개</a:t>
+            </a:r>
+            <a:r>
+              <a:rPr kumimoji="1" lang="en-US" altLang="ko-KR" dirty="0"/>
+              <a:t>)</a:t>
+            </a:r>
+          </a:p>
+          <a:p>
+            <a:pPr marL="342900" indent="-342900">
+              <a:buAutoNum type="arabicPeriod"/>
+            </a:pPr>
+            <a:endParaRPr kumimoji="1" lang="en-US" altLang="ko-KR" dirty="0"/>
+          </a:p>
+          <a:p>
+            <a:pPr marL="342900" indent="-342900">
+              <a:buAutoNum type="arabicPeriod"/>
+            </a:pPr>
+            <a:r>
+              <a:rPr kumimoji="1" lang="en-US" altLang="ko-KR" dirty="0"/>
+              <a:t>2</a:t>
+            </a:r>
+            <a:r>
+              <a:rPr kumimoji="1" lang="ko-KR" altLang="en-US" dirty="0"/>
+              <a:t>진수 </a:t>
+            </a:r>
+            <a:r>
+              <a:rPr kumimoji="1" lang="en-US" altLang="ko-KR" dirty="0"/>
+              <a:t>chromosome</a:t>
+            </a:r>
+            <a:r>
+              <a:rPr kumimoji="1" lang="ko-KR" altLang="en-US" dirty="0"/>
+              <a:t>을 </a:t>
+            </a:r>
+            <a:r>
+              <a:rPr kumimoji="1" lang="en-US" altLang="ko-KR" dirty="0"/>
+              <a:t>10</a:t>
+            </a:r>
+            <a:r>
+              <a:rPr kumimoji="1" lang="ko-KR" altLang="en-US" dirty="0"/>
+              <a:t>진수로 변환</a:t>
+            </a:r>
+            <a:endParaRPr kumimoji="1" lang="en-US" altLang="ko-KR" dirty="0"/>
+          </a:p>
+          <a:p>
+            <a:pPr marL="342900" indent="-342900">
+              <a:buAutoNum type="arabicPeriod"/>
+            </a:pPr>
+            <a:endParaRPr kumimoji="1" lang="en-US" altLang="ko-KR" dirty="0"/>
+          </a:p>
+          <a:p>
+            <a:pPr marL="342900" indent="-342900">
+              <a:buAutoNum type="arabicPeriod"/>
+            </a:pPr>
+            <a:r>
+              <a:rPr kumimoji="1" lang="en-US" altLang="ko-KR" dirty="0"/>
+              <a:t>Normalize</a:t>
+            </a:r>
+            <a:r>
+              <a:rPr kumimoji="1" lang="ko-KR" altLang="en-US" dirty="0"/>
+              <a:t>시키기</a:t>
+            </a:r>
+            <a:endParaRPr kumimoji="1" lang="en-US" altLang="ko-KR" dirty="0"/>
+          </a:p>
+          <a:p>
+            <a:pPr marL="342900" indent="-342900">
+              <a:buAutoNum type="arabicPeriod"/>
+            </a:pPr>
+            <a:endParaRPr kumimoji="1" lang="en-US" altLang="ko-KR" dirty="0"/>
+          </a:p>
+          <a:p>
+            <a:pPr marL="342900" indent="-342900">
+              <a:buAutoNum type="arabicPeriod"/>
+            </a:pPr>
+            <a:r>
+              <a:rPr kumimoji="1" lang="en-US" altLang="ko-KR" dirty="0"/>
+              <a:t>Fitness</a:t>
+            </a:r>
+            <a:r>
+              <a:rPr kumimoji="1" lang="ko-KR" altLang="en-US" dirty="0"/>
+              <a:t> 적합도 함수 취하기</a:t>
+            </a:r>
+            <a:endParaRPr kumimoji="1" lang="en-US" altLang="ko-KR" dirty="0"/>
+          </a:p>
+          <a:p>
+            <a:pPr marL="342900" indent="-342900">
+              <a:buAutoNum type="arabicPeriod"/>
+            </a:pPr>
+            <a:endParaRPr kumimoji="1" lang="en-US" altLang="ko-KR" dirty="0"/>
+          </a:p>
+          <a:p>
+            <a:pPr marL="342900" indent="-342900">
+              <a:buAutoNum type="arabicPeriod"/>
+            </a:pPr>
+            <a:r>
+              <a:rPr kumimoji="1" lang="en-US" altLang="ko-KR" dirty="0"/>
+              <a:t>Crossover</a:t>
+            </a:r>
+            <a:r>
+              <a:rPr kumimoji="1" lang="ko-KR" altLang="en-US" dirty="0"/>
+              <a:t> 교배 시키기 </a:t>
+            </a:r>
+            <a:r>
+              <a:rPr kumimoji="1" lang="en-US" altLang="ko-KR" dirty="0"/>
+              <a:t>(</a:t>
+            </a:r>
+            <a:r>
+              <a:rPr kumimoji="1" lang="ko-KR" altLang="en-US" dirty="0" err="1"/>
+              <a:t>룰렛</a:t>
+            </a:r>
+            <a:r>
+              <a:rPr kumimoji="1" lang="ko-KR" altLang="en-US" dirty="0"/>
+              <a:t> 휠 선택</a:t>
+            </a:r>
+            <a:r>
+              <a:rPr kumimoji="1" lang="en-US" altLang="ko-KR" dirty="0"/>
+              <a:t>)</a:t>
+            </a:r>
+          </a:p>
+          <a:p>
+            <a:pPr marL="342900" indent="-342900">
+              <a:buAutoNum type="arabicPeriod"/>
+            </a:pPr>
+            <a:endParaRPr kumimoji="1" lang="en-US" altLang="ko-KR" dirty="0"/>
+          </a:p>
+          <a:p>
+            <a:pPr marL="342900" indent="-342900">
+              <a:buAutoNum type="arabicPeriod"/>
+            </a:pPr>
+            <a:r>
+              <a:rPr kumimoji="1" lang="ko-KR" altLang="en-US" dirty="0"/>
+              <a:t>일정 확률로 </a:t>
+            </a:r>
+            <a:r>
+              <a:rPr kumimoji="1" lang="en-US" altLang="ko-KR" dirty="0"/>
+              <a:t>mutation </a:t>
+            </a:r>
+            <a:r>
+              <a:rPr kumimoji="1" lang="ko-KR" altLang="en-US" dirty="0"/>
+              <a:t>돌연변이 일으키기</a:t>
+            </a:r>
+            <a:endParaRPr kumimoji="1" lang="en-US" altLang="ko-KR" dirty="0"/>
+          </a:p>
+          <a:p>
+            <a:pPr marL="342900" indent="-342900">
+              <a:buAutoNum type="arabicPeriod"/>
+            </a:pPr>
+            <a:endParaRPr kumimoji="1" lang="en-US" altLang="ko-KR" dirty="0"/>
+          </a:p>
+          <a:p>
+            <a:pPr marL="342900" indent="-342900">
+              <a:buAutoNum type="arabicPeriod"/>
+            </a:pPr>
+            <a:r>
+              <a:rPr kumimoji="1" lang="ko-KR" altLang="en-US" dirty="0"/>
+              <a:t>진화한 세대 출력하기</a:t>
+            </a:r>
+            <a:endParaRPr kumimoji="1" lang="en-US" altLang="ko-KR" dirty="0"/>
+          </a:p>
+          <a:p>
+            <a:pPr marL="342900" indent="-342900">
+              <a:buAutoNum type="arabicPeriod"/>
+            </a:pPr>
+            <a:endParaRPr kumimoji="1" lang="ko-KR" altLang="en-US" dirty="0"/>
+          </a:p>
+        </p:txBody>
+      </p:sp>
+    </p:spTree>
+    <p:extLst>
+      <p:ext uri="{BB962C8B-B14F-4D97-AF65-F5344CB8AC3E}">
+        <p14:creationId xmlns:p14="http://schemas.microsoft.com/office/powerpoint/2010/main" val="3688101562"/>
+      </p:ext>
+    </p:extLst>
+  </p:cSld>
+  <p:clrMapOvr>
+    <a:masterClrMapping/>
+  </p:clrMapOvr>
+</p:sld>
+</file>
+
+<file path=ppt/slides/slide4.xml><?xml version="1.0" encoding="utf-8"?>
+<p:sld xmlns:a="http://schemas.openxmlformats.org/drawingml/2006/main" xmlns:r="http://schemas.openxmlformats.org/officeDocument/2006/relationships" xmlns:p="http://schemas.openxmlformats.org/presentationml/2006/main">
+  <p:cSld>
+    <p:spTree>
+      <p:nvGrpSpPr>
+        <p:cNvPr id="1" name=""/>
+        <p:cNvGrpSpPr/>
+        <p:nvPr/>
+      </p:nvGrpSpPr>
+      <p:grpSpPr>
+        <a:xfrm>
+          <a:off x="0" y="0"/>
+          <a:ext cx="0" cy="0"/>
+          <a:chOff x="0" y="0"/>
+          <a:chExt cx="0" cy="0"/>
+        </a:xfrm>
+      </p:grpSpPr>
+      <p:sp>
+        <p:nvSpPr>
+          <p:cNvPr id="2" name="제목 1">
+            <a:extLst>
+              <a:ext uri="{FF2B5EF4-FFF2-40B4-BE49-F238E27FC236}">
+                <a16:creationId xmlns:a16="http://schemas.microsoft.com/office/drawing/2014/main" id="{E513663D-2E45-79FB-DAE5-A80EC2AD8894}"/>
+              </a:ext>
+            </a:extLst>
+          </p:cNvPr>
+          <p:cNvSpPr>
+            <a:spLocks noGrp="1"/>
+          </p:cNvSpPr>
+          <p:nvPr>
+            <p:ph type="title"/>
+          </p:nvPr>
+        </p:nvSpPr>
+        <p:spPr/>
+        <p:txBody>
+          <a:bodyPr/>
+          <a:lstStyle/>
+          <a:p>
+            <a:r>
+              <a:rPr kumimoji="1" lang="ko-KR" altLang="en-US" dirty="0"/>
+              <a:t>초기 집단 형성 </a:t>
+            </a:r>
+            <a:r>
+              <a:rPr kumimoji="1" lang="en-US" altLang="ko-KR" dirty="0"/>
+              <a:t>(100</a:t>
+            </a:r>
+            <a:r>
+              <a:rPr kumimoji="1" lang="ko-KR" altLang="en-US" dirty="0"/>
+              <a:t>개 만들기</a:t>
+            </a:r>
+            <a:r>
+              <a:rPr kumimoji="1" lang="en-US" altLang="ko-KR" dirty="0"/>
+              <a:t>)</a:t>
+            </a:r>
+            <a:endParaRPr kumimoji="1" lang="ko-KR" altLang="en-US" dirty="0"/>
+          </a:p>
+        </p:txBody>
+      </p:sp>
+      <p:pic>
+        <p:nvPicPr>
+          <p:cNvPr id="5" name="내용 개체 틀 4" descr="텍스트이(가) 표시된 사진&#10;&#10;자동 생성된 설명">
+            <a:extLst>
+              <a:ext uri="{FF2B5EF4-FFF2-40B4-BE49-F238E27FC236}">
+                <a16:creationId xmlns:a16="http://schemas.microsoft.com/office/drawing/2014/main" id="{77945D49-094E-1451-E2CD-4CE257BEA5DC}"/>
+              </a:ext>
+            </a:extLst>
+          </p:cNvPr>
+          <p:cNvPicPr>
+            <a:picLocks noGrp="1" noChangeAspect="1"/>
+          </p:cNvPicPr>
+          <p:nvPr>
+            <p:ph idx="1"/>
+          </p:nvPr>
+        </p:nvPicPr>
+        <p:blipFill>
+          <a:blip r:embed="rId2"/>
+          <a:stretch>
+            <a:fillRect/>
+          </a:stretch>
+        </p:blipFill>
+        <p:spPr>
+          <a:xfrm>
+            <a:off x="838200" y="3802158"/>
+            <a:ext cx="6837361" cy="1757394"/>
+          </a:xfrm>
+        </p:spPr>
+      </p:pic>
+      <p:pic>
+        <p:nvPicPr>
+          <p:cNvPr id="7" name="그림 6" descr="텍스트이(가) 표시된 사진&#10;&#10;자동 생성된 설명">
+            <a:extLst>
+              <a:ext uri="{FF2B5EF4-FFF2-40B4-BE49-F238E27FC236}">
+                <a16:creationId xmlns:a16="http://schemas.microsoft.com/office/drawing/2014/main" id="{CE8B6C2A-7EB3-16B3-1C28-2F77BD078358}"/>
+              </a:ext>
+            </a:extLst>
+          </p:cNvPr>
+          <p:cNvPicPr>
+            <a:picLocks noChangeAspect="1"/>
+          </p:cNvPicPr>
+          <p:nvPr/>
+        </p:nvPicPr>
+        <p:blipFill>
+          <a:blip r:embed="rId3"/>
+          <a:stretch>
+            <a:fillRect/>
+          </a:stretch>
+        </p:blipFill>
+        <p:spPr>
+          <a:xfrm>
+            <a:off x="838200" y="5739775"/>
+            <a:ext cx="3246121" cy="753100"/>
+          </a:xfrm>
+          <a:prstGeom prst="rect">
+            <a:avLst/>
+          </a:prstGeom>
+        </p:spPr>
+      </p:pic>
+      <p:sp>
+        <p:nvSpPr>
+          <p:cNvPr id="8" name="TextBox 7">
+            <a:extLst>
+              <a:ext uri="{FF2B5EF4-FFF2-40B4-BE49-F238E27FC236}">
+                <a16:creationId xmlns:a16="http://schemas.microsoft.com/office/drawing/2014/main" id="{B8D8FF98-7AFA-67C6-DB2C-D7D1A19BEB21}"/>
+              </a:ext>
+            </a:extLst>
+          </p:cNvPr>
+          <p:cNvSpPr txBox="1"/>
+          <p:nvPr/>
+        </p:nvSpPr>
+        <p:spPr>
+          <a:xfrm>
+            <a:off x="838200" y="1690688"/>
+            <a:ext cx="10232136" cy="1477328"/>
+          </a:xfrm>
+          <a:prstGeom prst="rect">
+            <a:avLst/>
+          </a:prstGeom>
+          <a:noFill/>
+        </p:spPr>
+        <p:txBody>
+          <a:bodyPr wrap="square" rtlCol="0">
+            <a:spAutoFit/>
+          </a:bodyPr>
+          <a:lstStyle/>
+          <a:p>
+            <a:pPr marL="285750" indent="-285750">
+              <a:buFontTx/>
+              <a:buChar char="-"/>
+            </a:pPr>
+            <a:r>
+              <a:rPr kumimoji="1" lang="ko-KR" altLang="en-US" dirty="0">
+                <a:solidFill>
+                  <a:srgbClr val="FF0000"/>
+                </a:solidFill>
+              </a:rPr>
+              <a:t>길이가 </a:t>
+            </a:r>
+            <a:r>
+              <a:rPr kumimoji="1" lang="en-US" altLang="ko-KR" dirty="0">
+                <a:solidFill>
+                  <a:srgbClr val="FF0000"/>
+                </a:solidFill>
+              </a:rPr>
+              <a:t>22</a:t>
+            </a:r>
+            <a:r>
+              <a:rPr kumimoji="1" lang="ko-KR" altLang="en-US" dirty="0"/>
+              <a:t>인 </a:t>
+            </a:r>
+            <a:r>
+              <a:rPr kumimoji="1" lang="en-US" altLang="ko-KR" dirty="0"/>
+              <a:t>chromosome</a:t>
+            </a:r>
+            <a:r>
+              <a:rPr kumimoji="1" lang="ko-KR" altLang="en-US" dirty="0"/>
+              <a:t>을 만든다</a:t>
+            </a:r>
+            <a:endParaRPr kumimoji="1" lang="en-US" altLang="ko-KR" dirty="0"/>
+          </a:p>
+          <a:p>
+            <a:pPr marL="285750" indent="-285750">
+              <a:buFontTx/>
+              <a:buChar char="-"/>
+            </a:pPr>
+            <a:r>
+              <a:rPr kumimoji="1" lang="ko-KR" altLang="en-US" dirty="0"/>
+              <a:t>랜덤으로 </a:t>
+            </a:r>
+            <a:r>
+              <a:rPr kumimoji="1" lang="en-US" altLang="ko-KR" dirty="0"/>
+              <a:t>0</a:t>
+            </a:r>
+            <a:r>
+              <a:rPr kumimoji="1" lang="ko-KR" altLang="en-US" dirty="0"/>
+              <a:t> 또는 </a:t>
+            </a:r>
+            <a:r>
+              <a:rPr kumimoji="1" lang="en-US" altLang="ko-KR" dirty="0"/>
+              <a:t>1</a:t>
+            </a:r>
+            <a:r>
+              <a:rPr kumimoji="1" lang="ko-KR" altLang="en-US" dirty="0"/>
+              <a:t>을 집어넣는다</a:t>
+            </a:r>
+            <a:endParaRPr kumimoji="1" lang="en-US" altLang="ko-KR" dirty="0"/>
+          </a:p>
+          <a:p>
+            <a:pPr marL="285750" indent="-285750">
+              <a:buFontTx/>
+              <a:buChar char="-"/>
+            </a:pPr>
+            <a:r>
+              <a:rPr kumimoji="1" lang="ko-KR" altLang="en-US" dirty="0"/>
+              <a:t>이것을 </a:t>
+            </a:r>
+            <a:r>
+              <a:rPr kumimoji="1" lang="en-US" altLang="ko-KR" dirty="0"/>
+              <a:t>100</a:t>
+            </a:r>
+            <a:r>
+              <a:rPr kumimoji="1" lang="ko-KR" altLang="en-US" dirty="0"/>
+              <a:t>번 반복하고 </a:t>
+            </a:r>
+            <a:r>
+              <a:rPr kumimoji="1" lang="en-US" altLang="ko-KR" dirty="0"/>
+              <a:t>population</a:t>
+            </a:r>
+            <a:r>
+              <a:rPr kumimoji="1" lang="ko-KR" altLang="en-US" dirty="0"/>
+              <a:t>을 형성한다</a:t>
+            </a:r>
+            <a:r>
+              <a:rPr kumimoji="1" lang="en-US" altLang="ko-KR" dirty="0"/>
+              <a:t>.</a:t>
+            </a:r>
+          </a:p>
+          <a:p>
+            <a:pPr marL="285750" indent="-285750">
+              <a:buFontTx/>
+              <a:buChar char="-"/>
+            </a:pPr>
+            <a:endParaRPr kumimoji="1" lang="en-US" altLang="ko-KR" dirty="0"/>
+          </a:p>
+          <a:p>
+            <a:pPr marL="285750" indent="-285750">
+              <a:buFontTx/>
+              <a:buChar char="-"/>
+            </a:pPr>
+            <a:r>
+              <a:rPr kumimoji="1" lang="ko-KR" altLang="en-US" dirty="0"/>
+              <a:t>하나의 </a:t>
+            </a:r>
+            <a:r>
+              <a:rPr kumimoji="1" lang="en-US" altLang="ko-KR" dirty="0"/>
+              <a:t>chromosome</a:t>
+            </a:r>
+            <a:r>
+              <a:rPr kumimoji="1" lang="ko-KR" altLang="en-US" dirty="0"/>
+              <a:t>은 </a:t>
+            </a:r>
+            <a:r>
+              <a:rPr kumimoji="1" lang="en-US" altLang="ko-KR" dirty="0"/>
+              <a:t>22</a:t>
+            </a:r>
+            <a:r>
+              <a:rPr kumimoji="1" lang="ko-KR" altLang="en-US" dirty="0"/>
+              <a:t>개의 유전자를 가지며</a:t>
+            </a:r>
+            <a:r>
+              <a:rPr kumimoji="1" lang="en-US" altLang="ko-KR" dirty="0"/>
+              <a:t> </a:t>
+            </a:r>
+            <a:r>
+              <a:rPr kumimoji="1" lang="ko-KR" altLang="en-US" dirty="0"/>
+              <a:t>초기 집단이기 때문에 </a:t>
+            </a:r>
+            <a:r>
+              <a:rPr kumimoji="1" lang="ko-KR" altLang="en-US" dirty="0">
+                <a:solidFill>
+                  <a:srgbClr val="FF0000"/>
+                </a:solidFill>
+              </a:rPr>
+              <a:t>랜덤으로 형성</a:t>
+            </a:r>
+            <a:r>
+              <a:rPr kumimoji="1" lang="ko-KR" altLang="en-US" dirty="0"/>
+              <a:t>한다</a:t>
+            </a:r>
+          </a:p>
+        </p:txBody>
+      </p:sp>
+    </p:spTree>
+    <p:extLst>
+      <p:ext uri="{BB962C8B-B14F-4D97-AF65-F5344CB8AC3E}">
+        <p14:creationId xmlns:p14="http://schemas.microsoft.com/office/powerpoint/2010/main" val="2654895006"/>
+      </p:ext>
+    </p:extLst>
+  </p:cSld>
+  <p:clrMapOvr>
+    <a:masterClrMapping/>
+  </p:clrMapOvr>
+</p:sld>
+</file>
+
+<file path=ppt/slides/slide5.xml><?xml version="1.0" encoding="utf-8"?>
+<p:sld xmlns:a="http://schemas.openxmlformats.org/drawingml/2006/main" xmlns:r="http://schemas.openxmlformats.org/officeDocument/2006/relationships" xmlns:p="http://schemas.openxmlformats.org/presentationml/2006/main">
+  <p:cSld>
+    <p:spTree>
+      <p:nvGrpSpPr>
+        <p:cNvPr id="1" name=""/>
+        <p:cNvGrpSpPr/>
+        <p:nvPr/>
+      </p:nvGrpSpPr>
+      <p:grpSpPr>
+        <a:xfrm>
+          <a:off x="0" y="0"/>
+          <a:ext cx="0" cy="0"/>
+          <a:chOff x="0" y="0"/>
+          <a:chExt cx="0" cy="0"/>
+        </a:xfrm>
+      </p:grpSpPr>
+      <p:sp>
+        <p:nvSpPr>
+          <p:cNvPr id="2" name="제목 1">
+            <a:extLst>
+              <a:ext uri="{FF2B5EF4-FFF2-40B4-BE49-F238E27FC236}">
+                <a16:creationId xmlns:a16="http://schemas.microsoft.com/office/drawing/2014/main" id="{6629A499-077A-D4C7-C132-81E71238C60C}"/>
+              </a:ext>
+            </a:extLst>
+          </p:cNvPr>
+          <p:cNvSpPr>
+            <a:spLocks noGrp="1"/>
+          </p:cNvSpPr>
+          <p:nvPr>
+            <p:ph type="title"/>
+          </p:nvPr>
+        </p:nvSpPr>
+        <p:spPr/>
+        <p:txBody>
+          <a:bodyPr/>
+          <a:lstStyle/>
+          <a:p>
+            <a:r>
+              <a:rPr kumimoji="1" lang="en-US" altLang="ko-KR" dirty="0"/>
+              <a:t>Decoding, Normalize, Fitness Function</a:t>
+            </a:r>
+            <a:endParaRPr kumimoji="1" lang="ko-KR" altLang="en-US" dirty="0"/>
+          </a:p>
+        </p:txBody>
+      </p:sp>
+      <p:pic>
+        <p:nvPicPr>
+          <p:cNvPr id="5" name="내용 개체 틀 4" descr="텍스트이(가) 표시된 사진&#10;&#10;자동 생성된 설명">
+            <a:extLst>
+              <a:ext uri="{FF2B5EF4-FFF2-40B4-BE49-F238E27FC236}">
+                <a16:creationId xmlns:a16="http://schemas.microsoft.com/office/drawing/2014/main" id="{48565936-BF3F-7E1E-0DA8-B3DF5837461D}"/>
+              </a:ext>
+            </a:extLst>
+          </p:cNvPr>
+          <p:cNvPicPr>
+            <a:picLocks noGrp="1" noChangeAspect="1"/>
+          </p:cNvPicPr>
+          <p:nvPr>
+            <p:ph idx="1"/>
+          </p:nvPr>
+        </p:nvPicPr>
+        <p:blipFill>
+          <a:blip r:embed="rId2"/>
+          <a:stretch>
+            <a:fillRect/>
+          </a:stretch>
+        </p:blipFill>
+        <p:spPr>
+          <a:xfrm>
+            <a:off x="735412" y="1361505"/>
+            <a:ext cx="5191578" cy="1989296"/>
+          </a:xfrm>
+        </p:spPr>
+      </p:pic>
+      <p:pic>
+        <p:nvPicPr>
+          <p:cNvPr id="7" name="그림 6" descr="텍스트이(가) 표시된 사진&#10;&#10;자동 생성된 설명">
+            <a:extLst>
+              <a:ext uri="{FF2B5EF4-FFF2-40B4-BE49-F238E27FC236}">
+                <a16:creationId xmlns:a16="http://schemas.microsoft.com/office/drawing/2014/main" id="{1C635A6F-2147-FDDD-861E-636B5D2D1E20}"/>
+              </a:ext>
+            </a:extLst>
+          </p:cNvPr>
+          <p:cNvPicPr>
+            <a:picLocks noChangeAspect="1"/>
+          </p:cNvPicPr>
+          <p:nvPr/>
+        </p:nvPicPr>
+        <p:blipFill>
+          <a:blip r:embed="rId3"/>
+          <a:stretch>
+            <a:fillRect/>
+          </a:stretch>
+        </p:blipFill>
+        <p:spPr>
+          <a:xfrm>
+            <a:off x="734311" y="3507200"/>
+            <a:ext cx="4614673" cy="1153668"/>
+          </a:xfrm>
+          <a:prstGeom prst="rect">
+            <a:avLst/>
+          </a:prstGeom>
+        </p:spPr>
+      </p:pic>
+      <p:pic>
+        <p:nvPicPr>
+          <p:cNvPr id="9" name="그림 8" descr="텍스트이(가) 표시된 사진&#10;&#10;자동 생성된 설명">
+            <a:extLst>
+              <a:ext uri="{FF2B5EF4-FFF2-40B4-BE49-F238E27FC236}">
+                <a16:creationId xmlns:a16="http://schemas.microsoft.com/office/drawing/2014/main" id="{D4730D50-DD23-3FDA-E919-368F828453DD}"/>
+              </a:ext>
+            </a:extLst>
+          </p:cNvPr>
+          <p:cNvPicPr>
+            <a:picLocks noChangeAspect="1"/>
+          </p:cNvPicPr>
+          <p:nvPr/>
+        </p:nvPicPr>
+        <p:blipFill>
+          <a:blip r:embed="rId4"/>
+          <a:stretch>
+            <a:fillRect/>
+          </a:stretch>
+        </p:blipFill>
+        <p:spPr>
+          <a:xfrm>
+            <a:off x="734311" y="4817267"/>
+            <a:ext cx="6689005" cy="1989295"/>
+          </a:xfrm>
+          <a:prstGeom prst="rect">
+            <a:avLst/>
+          </a:prstGeom>
+        </p:spPr>
+      </p:pic>
+      <p:sp>
+        <p:nvSpPr>
+          <p:cNvPr id="10" name="TextBox 9">
+            <a:extLst>
+              <a:ext uri="{FF2B5EF4-FFF2-40B4-BE49-F238E27FC236}">
+                <a16:creationId xmlns:a16="http://schemas.microsoft.com/office/drawing/2014/main" id="{A733DCF7-79EA-E283-EF17-FB2E6732B19C}"/>
+              </a:ext>
+            </a:extLst>
+          </p:cNvPr>
+          <p:cNvSpPr txBox="1"/>
+          <p:nvPr/>
+        </p:nvSpPr>
+        <p:spPr>
+          <a:xfrm>
+            <a:off x="7888224" y="1463040"/>
+            <a:ext cx="3962400" cy="5078313"/>
+          </a:xfrm>
+          <a:prstGeom prst="rect">
+            <a:avLst/>
+          </a:prstGeom>
+          <a:noFill/>
+        </p:spPr>
+        <p:txBody>
+          <a:bodyPr wrap="square" rtlCol="0">
+            <a:spAutoFit/>
+          </a:bodyPr>
+          <a:lstStyle/>
+          <a:p>
+            <a:r>
+              <a:rPr kumimoji="1" lang="en-US" altLang="ko-KR" dirty="0">
+                <a:solidFill>
+                  <a:srgbClr val="FF0000"/>
+                </a:solidFill>
+              </a:rPr>
+              <a:t>1. Decoding</a:t>
+            </a:r>
+          </a:p>
+          <a:p>
+            <a:r>
+              <a:rPr kumimoji="1" lang="en-US" altLang="ko-KR" dirty="0"/>
+              <a:t>   - 2</a:t>
+            </a:r>
+            <a:r>
+              <a:rPr kumimoji="1" lang="ko-KR" altLang="en-US" dirty="0"/>
+              <a:t>진수 </a:t>
+            </a:r>
+            <a:r>
+              <a:rPr kumimoji="1" lang="en-US" altLang="ko-KR" dirty="0"/>
+              <a:t>chromosome</a:t>
+            </a:r>
+            <a:r>
+              <a:rPr kumimoji="1" lang="ko-KR" altLang="en-US" dirty="0"/>
+              <a:t>을 </a:t>
+            </a:r>
+            <a:r>
+              <a:rPr kumimoji="1" lang="en-US" altLang="ko-KR" dirty="0"/>
+              <a:t>10</a:t>
+            </a:r>
+            <a:r>
+              <a:rPr kumimoji="1" lang="ko-KR" altLang="en-US" dirty="0"/>
+              <a:t>진수</a:t>
+            </a:r>
+            <a:endParaRPr kumimoji="1" lang="en-US" altLang="ko-KR" dirty="0"/>
+          </a:p>
+          <a:p>
+            <a:r>
+              <a:rPr kumimoji="1" lang="ko-KR" altLang="en-US" dirty="0"/>
+              <a:t>     형태로 변환한다</a:t>
+            </a:r>
+            <a:r>
+              <a:rPr kumimoji="1" lang="en-US" altLang="ko-KR" dirty="0"/>
+              <a:t>.</a:t>
+            </a:r>
+          </a:p>
+          <a:p>
+            <a:endParaRPr kumimoji="1" lang="en-US" altLang="ko-KR" dirty="0"/>
+          </a:p>
+          <a:p>
+            <a:endParaRPr kumimoji="1" lang="en-US" altLang="ko-KR" dirty="0"/>
+          </a:p>
+          <a:p>
+            <a:endParaRPr kumimoji="1" lang="en-US" altLang="ko-KR" dirty="0"/>
+          </a:p>
+          <a:p>
+            <a:endParaRPr kumimoji="1" lang="en-US" altLang="ko-KR" dirty="0"/>
+          </a:p>
+          <a:p>
+            <a:endParaRPr kumimoji="1" lang="en-US" altLang="ko-KR" dirty="0"/>
+          </a:p>
+          <a:p>
+            <a:r>
+              <a:rPr kumimoji="1" lang="en-US" altLang="ko-KR" dirty="0">
+                <a:solidFill>
+                  <a:srgbClr val="FF0000"/>
+                </a:solidFill>
+              </a:rPr>
+              <a:t>2. Normalize</a:t>
+            </a:r>
+          </a:p>
+          <a:p>
+            <a:r>
+              <a:rPr kumimoji="1" lang="en-US" altLang="ko-KR" dirty="0"/>
+              <a:t>   -</a:t>
+            </a:r>
+            <a:r>
+              <a:rPr kumimoji="1" lang="ko-KR" altLang="en-US" dirty="0"/>
+              <a:t> 변환된 </a:t>
+            </a:r>
+            <a:r>
+              <a:rPr kumimoji="1" lang="en-US" altLang="ko-KR" dirty="0"/>
+              <a:t>10</a:t>
+            </a:r>
+            <a:r>
+              <a:rPr kumimoji="1" lang="ko-KR" altLang="en-US" dirty="0"/>
+              <a:t>진수 값을 </a:t>
+            </a:r>
+            <a:r>
+              <a:rPr kumimoji="1" lang="en-US" altLang="ko-KR" dirty="0"/>
+              <a:t>-1</a:t>
+            </a:r>
+            <a:r>
+              <a:rPr kumimoji="1" lang="ko-KR" altLang="en-US" dirty="0"/>
+              <a:t>과 </a:t>
+            </a:r>
+            <a:r>
+              <a:rPr kumimoji="1" lang="en-US" altLang="ko-KR" dirty="0"/>
+              <a:t>2</a:t>
+            </a:r>
+            <a:r>
+              <a:rPr kumimoji="1" lang="ko-KR" altLang="en-US" dirty="0"/>
+              <a:t> 사이</a:t>
+            </a:r>
+            <a:endParaRPr kumimoji="1" lang="en-US" altLang="ko-KR" dirty="0"/>
+          </a:p>
+          <a:p>
+            <a:r>
+              <a:rPr kumimoji="1" lang="ko-KR" altLang="en-US" dirty="0"/>
+              <a:t>     값으로 </a:t>
+            </a:r>
+            <a:r>
+              <a:rPr kumimoji="1" lang="en-US" altLang="ko-KR" dirty="0"/>
+              <a:t>normalize</a:t>
+            </a:r>
+            <a:r>
+              <a:rPr kumimoji="1" lang="ko-KR" altLang="en-US" dirty="0"/>
+              <a:t> 시킨다</a:t>
+            </a:r>
+            <a:r>
+              <a:rPr kumimoji="1" lang="en-US" altLang="ko-KR" dirty="0"/>
+              <a:t>.</a:t>
+            </a:r>
+          </a:p>
+          <a:p>
+            <a:endParaRPr kumimoji="1" lang="en-US" altLang="ko-KR" dirty="0"/>
+          </a:p>
+          <a:p>
+            <a:endParaRPr kumimoji="1" lang="en-US" altLang="ko-KR" dirty="0"/>
+          </a:p>
+          <a:p>
+            <a:endParaRPr kumimoji="1" lang="en-US" altLang="ko-KR" dirty="0"/>
+          </a:p>
+          <a:p>
+            <a:r>
+              <a:rPr kumimoji="1" lang="en-US" altLang="ko-KR" dirty="0">
+                <a:solidFill>
+                  <a:srgbClr val="FF0000"/>
+                </a:solidFill>
+              </a:rPr>
+              <a:t>3. Fitness Function</a:t>
+            </a:r>
+          </a:p>
+          <a:p>
+            <a:r>
+              <a:rPr kumimoji="1" lang="en-US" altLang="ko-KR" dirty="0"/>
+              <a:t>   -</a:t>
+            </a:r>
+            <a:r>
+              <a:rPr kumimoji="1" lang="ko-KR" altLang="en-US" dirty="0"/>
+              <a:t> </a:t>
+            </a:r>
+            <a:r>
+              <a:rPr kumimoji="1" lang="en-US" altLang="ko-KR" dirty="0"/>
+              <a:t>normalize</a:t>
+            </a:r>
+            <a:r>
+              <a:rPr kumimoji="1" lang="ko-KR" altLang="en-US" dirty="0"/>
+              <a:t>된 </a:t>
+            </a:r>
+            <a:r>
+              <a:rPr kumimoji="1" lang="en-US" altLang="ko-KR" dirty="0"/>
+              <a:t>-1</a:t>
+            </a:r>
+            <a:r>
+              <a:rPr kumimoji="1" lang="ko-KR" altLang="en-US" dirty="0" err="1"/>
+              <a:t>부터</a:t>
+            </a:r>
+            <a:r>
+              <a:rPr kumimoji="1" lang="ko-KR" altLang="en-US" dirty="0"/>
+              <a:t> </a:t>
+            </a:r>
+            <a:r>
+              <a:rPr kumimoji="1" lang="en-US" altLang="ko-KR" dirty="0"/>
+              <a:t>2</a:t>
+            </a:r>
+            <a:r>
+              <a:rPr kumimoji="1" lang="ko-KR" altLang="en-US" dirty="0"/>
+              <a:t>까지의 값</a:t>
+            </a:r>
+            <a:endParaRPr kumimoji="1" lang="en-US" altLang="ko-KR" dirty="0"/>
+          </a:p>
+          <a:p>
+            <a:r>
+              <a:rPr kumimoji="1" lang="ko-KR" altLang="en-US" dirty="0"/>
+              <a:t>     을 </a:t>
+            </a:r>
+            <a:r>
+              <a:rPr kumimoji="1" lang="en-US" altLang="ko-KR" dirty="0"/>
+              <a:t>f(x)</a:t>
+            </a:r>
+            <a:r>
+              <a:rPr kumimoji="1" lang="ko-KR" altLang="en-US" dirty="0"/>
+              <a:t>에 집어넣는다</a:t>
+            </a:r>
+            <a:r>
+              <a:rPr kumimoji="1" lang="en-US" altLang="ko-KR" dirty="0"/>
+              <a:t>.</a:t>
+            </a:r>
+          </a:p>
+          <a:p>
+            <a:endParaRPr kumimoji="1" lang="ko-KR" altLang="en-US" dirty="0"/>
+          </a:p>
+        </p:txBody>
+      </p:sp>
+    </p:spTree>
+    <p:extLst>
+      <p:ext uri="{BB962C8B-B14F-4D97-AF65-F5344CB8AC3E}">
+        <p14:creationId xmlns:p14="http://schemas.microsoft.com/office/powerpoint/2010/main" val="239607240"/>
+      </p:ext>
+    </p:extLst>
+  </p:cSld>
+  <p:clrMapOvr>
+    <a:masterClrMapping/>
+  </p:clrMapOvr>
+</p:sld>
+</file>
+
+<file path=ppt/slides/slide6.xml><?xml version="1.0" encoding="utf-8"?>
+<p:sld xmlns:a="http://schemas.openxmlformats.org/drawingml/2006/main" xmlns:r="http://schemas.openxmlformats.org/officeDocument/2006/relationships" xmlns:p="http://schemas.openxmlformats.org/presentationml/2006/main">
+  <p:cSld>
+    <p:spTree>
+      <p:nvGrpSpPr>
+        <p:cNvPr id="1" name=""/>
+        <p:cNvGrpSpPr/>
+        <p:nvPr/>
+      </p:nvGrpSpPr>
+      <p:grpSpPr>
+        <a:xfrm>
+          <a:off x="0" y="0"/>
+          <a:ext cx="0" cy="0"/>
+          <a:chOff x="0" y="0"/>
+          <a:chExt cx="0" cy="0"/>
+        </a:xfrm>
+      </p:grpSpPr>
+      <p:sp>
+        <p:nvSpPr>
+          <p:cNvPr id="2" name="제목 1">
+            <a:extLst>
+              <a:ext uri="{FF2B5EF4-FFF2-40B4-BE49-F238E27FC236}">
+                <a16:creationId xmlns:a16="http://schemas.microsoft.com/office/drawing/2014/main" id="{F8E5215B-F4C9-F07F-7176-4E1017511D3E}"/>
+              </a:ext>
+            </a:extLst>
+          </p:cNvPr>
+          <p:cNvSpPr>
+            <a:spLocks noGrp="1"/>
+          </p:cNvSpPr>
+          <p:nvPr>
+            <p:ph type="title"/>
+          </p:nvPr>
+        </p:nvSpPr>
+        <p:spPr/>
+        <p:txBody>
+          <a:bodyPr/>
+          <a:lstStyle/>
+          <a:p>
+            <a:r>
+              <a:rPr kumimoji="1" lang="ko-KR" altLang="en-US" dirty="0" err="1"/>
+              <a:t>룰렛</a:t>
+            </a:r>
+            <a:r>
+              <a:rPr kumimoji="1" lang="ko-KR" altLang="en-US" dirty="0"/>
+              <a:t> 휠 선택 </a:t>
+            </a:r>
+            <a:r>
+              <a:rPr kumimoji="1" lang="en-US" altLang="ko-KR" dirty="0"/>
+              <a:t>(Roulette wheel selection)</a:t>
+            </a:r>
+            <a:endParaRPr kumimoji="1" lang="ko-KR" altLang="en-US" dirty="0"/>
+          </a:p>
+        </p:txBody>
+      </p:sp>
+      <p:pic>
+        <p:nvPicPr>
+          <p:cNvPr id="9" name="내용 개체 틀 8" descr="텍스트이(가) 표시된 사진&#10;&#10;자동 생성된 설명">
+            <a:extLst>
+              <a:ext uri="{FF2B5EF4-FFF2-40B4-BE49-F238E27FC236}">
+                <a16:creationId xmlns:a16="http://schemas.microsoft.com/office/drawing/2014/main" id="{0D988844-CF61-E1B3-8153-13335E4EED1A}"/>
+              </a:ext>
+            </a:extLst>
+          </p:cNvPr>
+          <p:cNvPicPr>
+            <a:picLocks noGrp="1" noChangeAspect="1"/>
+          </p:cNvPicPr>
+          <p:nvPr>
+            <p:ph idx="1"/>
+          </p:nvPr>
+        </p:nvPicPr>
+        <p:blipFill>
+          <a:blip r:embed="rId2"/>
+          <a:stretch>
+            <a:fillRect/>
+          </a:stretch>
+        </p:blipFill>
+        <p:spPr>
+          <a:xfrm>
+            <a:off x="216245" y="1498805"/>
+            <a:ext cx="5879755" cy="3035979"/>
+          </a:xfrm>
+        </p:spPr>
+      </p:pic>
+      <p:pic>
+        <p:nvPicPr>
+          <p:cNvPr id="11" name="그림 10" descr="텍스트이(가) 표시된 사진&#10;&#10;자동 생성된 설명">
+            <a:extLst>
+              <a:ext uri="{FF2B5EF4-FFF2-40B4-BE49-F238E27FC236}">
+                <a16:creationId xmlns:a16="http://schemas.microsoft.com/office/drawing/2014/main" id="{32BE11E4-A08A-A8C7-C0A8-B5A5C0D79B2F}"/>
+              </a:ext>
+            </a:extLst>
+          </p:cNvPr>
+          <p:cNvPicPr>
+            <a:picLocks noChangeAspect="1"/>
+          </p:cNvPicPr>
+          <p:nvPr/>
+        </p:nvPicPr>
+        <p:blipFill>
+          <a:blip r:embed="rId3"/>
+          <a:stretch>
+            <a:fillRect/>
+          </a:stretch>
+        </p:blipFill>
+        <p:spPr>
+          <a:xfrm>
+            <a:off x="6079985" y="2450592"/>
+            <a:ext cx="6112015" cy="4211805"/>
+          </a:xfrm>
+          <a:prstGeom prst="rect">
+            <a:avLst/>
+          </a:prstGeom>
+        </p:spPr>
+      </p:pic>
+      <p:sp>
+        <p:nvSpPr>
+          <p:cNvPr id="12" name="TextBox 11">
+            <a:extLst>
+              <a:ext uri="{FF2B5EF4-FFF2-40B4-BE49-F238E27FC236}">
+                <a16:creationId xmlns:a16="http://schemas.microsoft.com/office/drawing/2014/main" id="{2E578AEE-6E38-0FB2-5CF9-66113816BA86}"/>
+              </a:ext>
+            </a:extLst>
+          </p:cNvPr>
+          <p:cNvSpPr txBox="1"/>
+          <p:nvPr/>
+        </p:nvSpPr>
+        <p:spPr>
+          <a:xfrm>
+            <a:off x="216245" y="4693920"/>
+            <a:ext cx="5599339" cy="2031325"/>
+          </a:xfrm>
+          <a:prstGeom prst="rect">
+            <a:avLst/>
+          </a:prstGeom>
+          <a:noFill/>
+        </p:spPr>
+        <p:txBody>
+          <a:bodyPr wrap="square" rtlCol="0">
+            <a:spAutoFit/>
+          </a:bodyPr>
+          <a:lstStyle/>
+          <a:p>
+            <a:r>
+              <a:rPr kumimoji="1" lang="ko-KR" altLang="en-US" dirty="0"/>
+              <a:t> </a:t>
+            </a:r>
+            <a:r>
+              <a:rPr kumimoji="1" lang="en-US" altLang="ko-KR" dirty="0"/>
+              <a:t>-</a:t>
+            </a:r>
+            <a:r>
+              <a:rPr kumimoji="1" lang="ko-KR" altLang="en-US" dirty="0"/>
+              <a:t> 모든 </a:t>
+            </a:r>
+            <a:r>
+              <a:rPr kumimoji="1" lang="en-US" altLang="ko-KR" dirty="0"/>
+              <a:t>chromosome</a:t>
+            </a:r>
+            <a:r>
+              <a:rPr kumimoji="1" lang="ko-KR" altLang="en-US" dirty="0"/>
+              <a:t>은 각각의 확률</a:t>
+            </a:r>
+            <a:r>
+              <a:rPr kumimoji="1" lang="en-US" altLang="ko-KR" dirty="0"/>
+              <a:t> </a:t>
+            </a:r>
+            <a:r>
+              <a:rPr kumimoji="1" lang="ko-KR" altLang="en-US" dirty="0"/>
+              <a:t>값을 가진다</a:t>
+            </a:r>
+            <a:r>
+              <a:rPr kumimoji="1" lang="en-US" altLang="ko-KR" dirty="0"/>
+              <a:t>.</a:t>
+            </a:r>
+          </a:p>
+          <a:p>
+            <a:r>
+              <a:rPr kumimoji="1" lang="ko-KR" altLang="en-US" dirty="0"/>
+              <a:t>다만</a:t>
+            </a:r>
+            <a:r>
+              <a:rPr kumimoji="1" lang="en-US" altLang="ko-KR" dirty="0"/>
+              <a:t>,</a:t>
+            </a:r>
+            <a:r>
+              <a:rPr kumimoji="1" lang="ko-KR" altLang="en-US" dirty="0"/>
+              <a:t> 좋은 유전자가 선택될 확률을 높이기 위해</a:t>
+            </a:r>
+            <a:r>
+              <a:rPr kumimoji="1" lang="en-US" altLang="ko-KR" dirty="0"/>
+              <a:t>,</a:t>
+            </a:r>
+          </a:p>
+          <a:p>
+            <a:r>
+              <a:rPr kumimoji="1" lang="ko-KR" altLang="en-US" dirty="0">
+                <a:solidFill>
+                  <a:srgbClr val="FF0000"/>
+                </a:solidFill>
+              </a:rPr>
+              <a:t>좋은 </a:t>
+            </a:r>
+            <a:r>
+              <a:rPr kumimoji="1" lang="en-US" altLang="ko-KR" dirty="0">
+                <a:solidFill>
+                  <a:srgbClr val="FF0000"/>
+                </a:solidFill>
+              </a:rPr>
+              <a:t>chromosome</a:t>
+            </a:r>
+            <a:r>
+              <a:rPr kumimoji="1" lang="ko-KR" altLang="en-US" dirty="0">
+                <a:solidFill>
+                  <a:srgbClr val="FF0000"/>
+                </a:solidFill>
+              </a:rPr>
+              <a:t>일수록 확률을 더 높게 설정</a:t>
+            </a:r>
+            <a:r>
+              <a:rPr kumimoji="1" lang="ko-KR" altLang="en-US" dirty="0"/>
+              <a:t>한다</a:t>
+            </a:r>
+            <a:r>
+              <a:rPr kumimoji="1" lang="en-US" altLang="ko-KR" dirty="0"/>
+              <a:t>.</a:t>
+            </a:r>
+          </a:p>
+          <a:p>
+            <a:r>
+              <a:rPr kumimoji="1" lang="ko-KR" altLang="en-US" dirty="0"/>
+              <a:t> </a:t>
+            </a:r>
+            <a:r>
+              <a:rPr kumimoji="1" lang="en-US" altLang="ko-KR" dirty="0"/>
+              <a:t>-</a:t>
+            </a:r>
+            <a:r>
+              <a:rPr kumimoji="1" lang="ko-KR" altLang="en-US" dirty="0"/>
+              <a:t> </a:t>
+            </a:r>
+            <a:r>
+              <a:rPr kumimoji="1" lang="en-US" altLang="ko-KR" dirty="0"/>
+              <a:t>fitness function</a:t>
+            </a:r>
+            <a:r>
+              <a:rPr kumimoji="1" lang="ko-KR" altLang="en-US" dirty="0"/>
+              <a:t>을 적용시켜서 </a:t>
+            </a:r>
+            <a:r>
+              <a:rPr kumimoji="1" lang="ko-KR" altLang="en-US" dirty="0" err="1"/>
+              <a:t>함수값이</a:t>
+            </a:r>
+            <a:r>
+              <a:rPr kumimoji="1" lang="ko-KR" altLang="en-US" dirty="0"/>
+              <a:t> 높을수록 </a:t>
+            </a:r>
+            <a:endParaRPr kumimoji="1" lang="en-US" altLang="ko-KR" dirty="0"/>
+          </a:p>
+          <a:p>
+            <a:r>
+              <a:rPr kumimoji="1" lang="ko-KR" altLang="en-US" dirty="0"/>
+              <a:t>높은 확률을 부여한다</a:t>
+            </a:r>
+            <a:r>
+              <a:rPr kumimoji="1" lang="en-US" altLang="ko-KR" dirty="0"/>
+              <a:t>.</a:t>
+            </a:r>
+          </a:p>
+          <a:p>
+            <a:r>
+              <a:rPr kumimoji="1" lang="ko-KR" altLang="en-US" dirty="0"/>
+              <a:t> </a:t>
+            </a:r>
+            <a:r>
+              <a:rPr kumimoji="1" lang="en-US" altLang="ko-KR" dirty="0"/>
+              <a:t>-</a:t>
+            </a:r>
+            <a:r>
+              <a:rPr kumimoji="1" lang="ko-KR" altLang="en-US" dirty="0"/>
+              <a:t> 이는 </a:t>
+            </a:r>
+            <a:r>
+              <a:rPr kumimoji="1" lang="en-US" altLang="ko-KR" dirty="0">
+                <a:solidFill>
+                  <a:srgbClr val="FF0000"/>
+                </a:solidFill>
+              </a:rPr>
+              <a:t>exploitation</a:t>
+            </a:r>
+            <a:r>
+              <a:rPr kumimoji="1" lang="ko-KR" altLang="en-US" dirty="0">
+                <a:solidFill>
+                  <a:srgbClr val="FF0000"/>
+                </a:solidFill>
+              </a:rPr>
+              <a:t>과 </a:t>
+            </a:r>
+            <a:r>
+              <a:rPr kumimoji="1" lang="en-US" altLang="ko-KR" dirty="0">
+                <a:solidFill>
+                  <a:srgbClr val="FF0000"/>
+                </a:solidFill>
+              </a:rPr>
+              <a:t>exploration</a:t>
+            </a:r>
+            <a:r>
+              <a:rPr kumimoji="1" lang="ko-KR" altLang="en-US" dirty="0"/>
+              <a:t>의 균형을 적절히 </a:t>
+            </a:r>
+            <a:endParaRPr kumimoji="1" lang="en-US" altLang="ko-KR" dirty="0"/>
+          </a:p>
+          <a:p>
+            <a:r>
+              <a:rPr kumimoji="1" lang="ko-KR" altLang="en-US" dirty="0"/>
+              <a:t>맞추었다고 할 수 있다</a:t>
+            </a:r>
+            <a:r>
+              <a:rPr kumimoji="1" lang="en-US" altLang="ko-KR" dirty="0"/>
+              <a:t>.</a:t>
+            </a:r>
+            <a:endParaRPr kumimoji="1" lang="ko-KR" altLang="en-US" dirty="0"/>
+          </a:p>
+        </p:txBody>
+      </p:sp>
+    </p:spTree>
+    <p:extLst>
+      <p:ext uri="{BB962C8B-B14F-4D97-AF65-F5344CB8AC3E}">
+        <p14:creationId xmlns:p14="http://schemas.microsoft.com/office/powerpoint/2010/main" val="1797846409"/>
+      </p:ext>
+    </p:extLst>
+  </p:cSld>
+  <p:clrMapOvr>
+    <a:masterClrMapping/>
+  </p:clrMapOvr>
+</p:sld>
+</file>
+
+<file path=ppt/slides/slide7.xml><?xml version="1.0" encoding="utf-8"?>
+<p:sld xmlns:a="http://schemas.openxmlformats.org/drawingml/2006/main" xmlns:r="http://schemas.openxmlformats.org/officeDocument/2006/relationships" xmlns:p="http://schemas.openxmlformats.org/presentationml/2006/main">
+  <p:cSld>
+    <p:spTree>
+      <p:nvGrpSpPr>
+        <p:cNvPr id="1" name=""/>
+        <p:cNvGrpSpPr/>
+        <p:nvPr/>
+      </p:nvGrpSpPr>
+      <p:grpSpPr>
+        <a:xfrm>
+          <a:off x="0" y="0"/>
+          <a:ext cx="0" cy="0"/>
+          <a:chOff x="0" y="0"/>
+          <a:chExt cx="0" cy="0"/>
+        </a:xfrm>
+      </p:grpSpPr>
+      <p:sp>
+        <p:nvSpPr>
+          <p:cNvPr id="2" name="제목 1">
+            <a:extLst>
+              <a:ext uri="{FF2B5EF4-FFF2-40B4-BE49-F238E27FC236}">
+                <a16:creationId xmlns:a16="http://schemas.microsoft.com/office/drawing/2014/main" id="{9E903D5B-B158-7648-F387-6F184DCC4B07}"/>
+              </a:ext>
+            </a:extLst>
+          </p:cNvPr>
+          <p:cNvSpPr>
+            <a:spLocks noGrp="1"/>
+          </p:cNvSpPr>
+          <p:nvPr>
+            <p:ph type="title"/>
+          </p:nvPr>
+        </p:nvSpPr>
+        <p:spPr/>
+        <p:txBody>
+          <a:bodyPr/>
+          <a:lstStyle/>
+          <a:p>
+            <a:r>
+              <a:rPr kumimoji="1" lang="en-US" altLang="ko-KR" dirty="0"/>
+              <a:t>Crossover </a:t>
+            </a:r>
+            <a:r>
+              <a:rPr kumimoji="1" lang="ko-KR" altLang="en-US" dirty="0"/>
+              <a:t>교배</a:t>
+            </a:r>
+          </a:p>
+        </p:txBody>
+      </p:sp>
+      <p:pic>
+        <p:nvPicPr>
+          <p:cNvPr id="5" name="내용 개체 틀 4" descr="텍스트이(가) 표시된 사진&#10;&#10;자동 생성된 설명">
+            <a:extLst>
+              <a:ext uri="{FF2B5EF4-FFF2-40B4-BE49-F238E27FC236}">
+                <a16:creationId xmlns:a16="http://schemas.microsoft.com/office/drawing/2014/main" id="{A73DF49F-3C75-E452-E949-2BD3AF911483}"/>
+              </a:ext>
+            </a:extLst>
+          </p:cNvPr>
+          <p:cNvPicPr>
+            <a:picLocks noGrp="1" noChangeAspect="1"/>
+          </p:cNvPicPr>
+          <p:nvPr>
+            <p:ph idx="1"/>
+          </p:nvPr>
+        </p:nvPicPr>
+        <p:blipFill>
+          <a:blip r:embed="rId2"/>
+          <a:stretch>
+            <a:fillRect/>
+          </a:stretch>
+        </p:blipFill>
+        <p:spPr>
+          <a:xfrm>
+            <a:off x="838200" y="3795748"/>
+            <a:ext cx="10842458" cy="2357056"/>
+          </a:xfrm>
+        </p:spPr>
+      </p:pic>
+      <p:sp>
+        <p:nvSpPr>
+          <p:cNvPr id="6" name="TextBox 5">
+            <a:extLst>
+              <a:ext uri="{FF2B5EF4-FFF2-40B4-BE49-F238E27FC236}">
+                <a16:creationId xmlns:a16="http://schemas.microsoft.com/office/drawing/2014/main" id="{D3D8B2D5-3991-0DEB-5D35-F42D0C4E8792}"/>
+              </a:ext>
+            </a:extLst>
+          </p:cNvPr>
+          <p:cNvSpPr txBox="1"/>
+          <p:nvPr/>
+        </p:nvSpPr>
+        <p:spPr>
+          <a:xfrm>
+            <a:off x="838200" y="1487424"/>
+            <a:ext cx="10842458" cy="2308324"/>
+          </a:xfrm>
+          <a:prstGeom prst="rect">
+            <a:avLst/>
+          </a:prstGeom>
+          <a:noFill/>
+        </p:spPr>
+        <p:txBody>
+          <a:bodyPr wrap="square" rtlCol="0">
+            <a:spAutoFit/>
+          </a:bodyPr>
+          <a:lstStyle/>
+          <a:p>
+            <a:pPr marL="285750" indent="-285750">
+              <a:buFontTx/>
+              <a:buChar char="-"/>
+            </a:pPr>
+            <a:r>
+              <a:rPr kumimoji="1" lang="ko-KR" altLang="en-US" dirty="0" err="1"/>
+              <a:t>룰렛</a:t>
+            </a:r>
+            <a:r>
+              <a:rPr kumimoji="1" lang="ko-KR" altLang="en-US" dirty="0"/>
+              <a:t> </a:t>
+            </a:r>
+            <a:r>
+              <a:rPr kumimoji="1" lang="ko-KR" altLang="en-US" dirty="0" err="1"/>
+              <a:t>휠로</a:t>
+            </a:r>
+            <a:r>
+              <a:rPr kumimoji="1" lang="ko-KR" altLang="en-US" dirty="0"/>
+              <a:t> 선택한 부모로부터 교배를 시킨다</a:t>
+            </a:r>
+            <a:r>
+              <a:rPr kumimoji="1" lang="en-US" altLang="ko-KR" dirty="0"/>
+              <a:t>.</a:t>
+            </a:r>
+          </a:p>
+          <a:p>
+            <a:pPr marL="285750" indent="-285750">
+              <a:buFontTx/>
+              <a:buChar char="-"/>
+            </a:pPr>
+            <a:endParaRPr kumimoji="1" lang="en-US" altLang="ko-KR" dirty="0"/>
+          </a:p>
+          <a:p>
+            <a:pPr marL="285750" indent="-285750">
+              <a:buFontTx/>
+              <a:buChar char="-"/>
+            </a:pPr>
+            <a:r>
+              <a:rPr kumimoji="1" lang="ko-KR" altLang="en-US" dirty="0"/>
+              <a:t>교차로는 </a:t>
+            </a:r>
+            <a:r>
+              <a:rPr kumimoji="1" lang="en-US" altLang="ko-KR" dirty="0"/>
+              <a:t>1</a:t>
+            </a:r>
+            <a:r>
+              <a:rPr kumimoji="1" lang="ko-KR" altLang="en-US" dirty="0" err="1"/>
+              <a:t>부터</a:t>
+            </a:r>
+            <a:r>
+              <a:rPr kumimoji="1" lang="ko-KR" altLang="en-US" dirty="0"/>
+              <a:t> </a:t>
+            </a:r>
+            <a:r>
+              <a:rPr kumimoji="1" lang="en-US" altLang="ko-KR" dirty="0"/>
+              <a:t>22</a:t>
+            </a:r>
+            <a:r>
+              <a:rPr kumimoji="1" lang="ko-KR" altLang="en-US" dirty="0"/>
+              <a:t> 사이 랜덤으로 한 개 선택을 한다</a:t>
+            </a:r>
+            <a:r>
+              <a:rPr kumimoji="1" lang="en-US" altLang="ko-KR" dirty="0"/>
+              <a:t>.</a:t>
+            </a:r>
+          </a:p>
+          <a:p>
+            <a:pPr marL="285750" indent="-285750">
+              <a:buFontTx/>
+              <a:buChar char="-"/>
+            </a:pPr>
+            <a:endParaRPr kumimoji="1" lang="en-US" altLang="ko-KR" dirty="0"/>
+          </a:p>
+          <a:p>
+            <a:pPr marL="285750" indent="-285750">
+              <a:buFontTx/>
+              <a:buChar char="-"/>
+            </a:pPr>
+            <a:r>
+              <a:rPr kumimoji="1" lang="ko-KR" altLang="en-US" dirty="0"/>
+              <a:t>선택한 교차로까지는 부모</a:t>
+            </a:r>
+            <a:r>
+              <a:rPr kumimoji="1" lang="en-US" altLang="ko-KR" dirty="0"/>
+              <a:t>1</a:t>
+            </a:r>
+            <a:r>
+              <a:rPr kumimoji="1" lang="ko-KR" altLang="en-US" dirty="0"/>
+              <a:t>의 유전자를</a:t>
+            </a:r>
+            <a:r>
+              <a:rPr kumimoji="1" lang="en-US" altLang="ko-KR" dirty="0"/>
+              <a:t>,</a:t>
+            </a:r>
+            <a:r>
+              <a:rPr kumimoji="1" lang="ko-KR" altLang="en-US" dirty="0"/>
+              <a:t> 이후부터는 부모</a:t>
+            </a:r>
+            <a:r>
+              <a:rPr kumimoji="1" lang="en-US" altLang="ko-KR" dirty="0"/>
+              <a:t>2</a:t>
+            </a:r>
+            <a:r>
+              <a:rPr kumimoji="1" lang="ko-KR" altLang="en-US" dirty="0"/>
+              <a:t>의 유전자를 받는다</a:t>
+            </a:r>
+            <a:r>
+              <a:rPr kumimoji="1" lang="en-US" altLang="ko-KR" dirty="0"/>
+              <a:t>.</a:t>
+            </a:r>
+          </a:p>
+          <a:p>
+            <a:pPr marL="285750" indent="-285750">
+              <a:buFontTx/>
+              <a:buChar char="-"/>
+            </a:pPr>
+            <a:endParaRPr kumimoji="1" lang="en-US" altLang="ko-KR" dirty="0"/>
+          </a:p>
+          <a:p>
+            <a:pPr marL="285750" indent="-285750">
+              <a:buFontTx/>
+              <a:buChar char="-"/>
+            </a:pPr>
+            <a:r>
+              <a:rPr kumimoji="1" lang="ko-KR" altLang="en-US" dirty="0"/>
+              <a:t>서로 다른 두 개의 </a:t>
+            </a:r>
+            <a:r>
+              <a:rPr kumimoji="1" lang="en-US" altLang="ko-KR" dirty="0"/>
+              <a:t>chromosome</a:t>
+            </a:r>
+            <a:r>
+              <a:rPr kumimoji="1" lang="ko-KR" altLang="en-US" dirty="0"/>
+              <a:t>을 새롭게 생성하고</a:t>
+            </a:r>
+            <a:r>
+              <a:rPr kumimoji="1" lang="en-US" altLang="ko-KR" dirty="0"/>
+              <a:t>,</a:t>
+            </a:r>
+            <a:r>
+              <a:rPr kumimoji="1" lang="ko-KR" altLang="en-US" dirty="0"/>
+              <a:t> </a:t>
+            </a:r>
+            <a:r>
+              <a:rPr kumimoji="1" lang="en-US" altLang="ko-KR" dirty="0"/>
+              <a:t>population</a:t>
+            </a:r>
+            <a:r>
+              <a:rPr kumimoji="1" lang="ko-KR" altLang="en-US" dirty="0"/>
+              <a:t>에 집어넣는다</a:t>
+            </a:r>
+            <a:r>
+              <a:rPr kumimoji="1" lang="en-US" altLang="ko-KR" dirty="0"/>
+              <a:t>.</a:t>
+            </a:r>
+          </a:p>
+          <a:p>
+            <a:pPr marL="285750" indent="-285750">
+              <a:buFontTx/>
+              <a:buChar char="-"/>
+            </a:pPr>
+            <a:endParaRPr kumimoji="1" lang="ko-KR" altLang="en-US" dirty="0"/>
+          </a:p>
+        </p:txBody>
+      </p:sp>
+    </p:spTree>
+    <p:extLst>
+      <p:ext uri="{BB962C8B-B14F-4D97-AF65-F5344CB8AC3E}">
+        <p14:creationId xmlns:p14="http://schemas.microsoft.com/office/powerpoint/2010/main" val="1281029570"/>
+      </p:ext>
+    </p:extLst>
+  </p:cSld>
+  <p:clrMapOvr>
+    <a:masterClrMapping/>
+  </p:clrMapOvr>
+</p:sld>
+</file>
+
+<file path=ppt/slides/slide8.xml><?xml version="1.0" encoding="utf-8"?>
+<p:sld xmlns:a="http://schemas.openxmlformats.org/drawingml/2006/main" xmlns:r="http://schemas.openxmlformats.org/officeDocument/2006/relationships" xmlns:p="http://schemas.openxmlformats.org/presentationml/2006/main">
+  <p:cSld>
+    <p:spTree>
+      <p:nvGrpSpPr>
+        <p:cNvPr id="1" name=""/>
+        <p:cNvGrpSpPr/>
+        <p:nvPr/>
+      </p:nvGrpSpPr>
+      <p:grpSpPr>
+        <a:xfrm>
+          <a:off x="0" y="0"/>
+          <a:ext cx="0" cy="0"/>
+          <a:chOff x="0" y="0"/>
+          <a:chExt cx="0" cy="0"/>
+        </a:xfrm>
+      </p:grpSpPr>
+      <p:sp>
+        <p:nvSpPr>
+          <p:cNvPr id="2" name="제목 1">
+            <a:extLst>
+              <a:ext uri="{FF2B5EF4-FFF2-40B4-BE49-F238E27FC236}">
+                <a16:creationId xmlns:a16="http://schemas.microsoft.com/office/drawing/2014/main" id="{78989704-DD20-072B-708B-7389A22233AD}"/>
+              </a:ext>
+            </a:extLst>
+          </p:cNvPr>
+          <p:cNvSpPr>
+            <a:spLocks noGrp="1"/>
+          </p:cNvSpPr>
+          <p:nvPr>
+            <p:ph type="title"/>
+          </p:nvPr>
+        </p:nvSpPr>
+        <p:spPr/>
+        <p:txBody>
+          <a:bodyPr/>
+          <a:lstStyle/>
+          <a:p>
+            <a:r>
+              <a:rPr kumimoji="1" lang="en-US" altLang="ko-KR" dirty="0"/>
+              <a:t>Mutation</a:t>
+            </a:r>
+            <a:r>
+              <a:rPr kumimoji="1" lang="ko-KR" altLang="en-US" dirty="0"/>
+              <a:t> </a:t>
+            </a:r>
+            <a:r>
+              <a:rPr kumimoji="1" lang="en-US" altLang="ko-KR" dirty="0"/>
+              <a:t>(</a:t>
+            </a:r>
+            <a:r>
+              <a:rPr kumimoji="1" lang="ko-KR" altLang="en-US" dirty="0"/>
+              <a:t>돌연변이</a:t>
+            </a:r>
+            <a:r>
+              <a:rPr kumimoji="1" lang="en-US" altLang="ko-KR" dirty="0"/>
+              <a:t>)</a:t>
+            </a:r>
+            <a:endParaRPr kumimoji="1" lang="ko-KR" altLang="en-US" dirty="0"/>
+          </a:p>
+        </p:txBody>
+      </p:sp>
+      <p:sp>
+        <p:nvSpPr>
+          <p:cNvPr id="3" name="내용 개체 틀 2">
+            <a:extLst>
+              <a:ext uri="{FF2B5EF4-FFF2-40B4-BE49-F238E27FC236}">
+                <a16:creationId xmlns:a16="http://schemas.microsoft.com/office/drawing/2014/main" id="{8C922CA0-C2A5-375D-32E9-71E88E50E614}"/>
+              </a:ext>
+            </a:extLst>
+          </p:cNvPr>
+          <p:cNvSpPr>
+            <a:spLocks noGrp="1"/>
+          </p:cNvSpPr>
+          <p:nvPr>
+            <p:ph idx="1"/>
+          </p:nvPr>
+        </p:nvSpPr>
+        <p:spPr>
+          <a:xfrm>
+            <a:off x="838200" y="1825625"/>
+            <a:ext cx="10888744" cy="4351338"/>
+          </a:xfrm>
+        </p:spPr>
+        <p:txBody>
+          <a:bodyPr>
+            <a:normAutofit/>
+          </a:bodyPr>
+          <a:lstStyle/>
+          <a:p>
+            <a:pPr>
+              <a:buFontTx/>
+              <a:buChar char="-"/>
+            </a:pPr>
+            <a:r>
+              <a:rPr kumimoji="1" lang="ko-KR" altLang="en-US" sz="1800" dirty="0"/>
+              <a:t>돌연변이는 </a:t>
+            </a:r>
+            <a:r>
+              <a:rPr kumimoji="1" lang="en-US" altLang="ko-KR" sz="1800" dirty="0"/>
+              <a:t>crossover</a:t>
+            </a:r>
+            <a:r>
+              <a:rPr kumimoji="1" lang="ko-KR" altLang="en-US" sz="1800" dirty="0"/>
+              <a:t>가 끝난 </a:t>
+            </a:r>
+            <a:r>
+              <a:rPr kumimoji="1" lang="en-US" altLang="ko-KR" sz="1800" dirty="0"/>
+              <a:t>chromosome</a:t>
+            </a:r>
+            <a:r>
+              <a:rPr kumimoji="1" lang="ko-KR" altLang="en-US" sz="1800" dirty="0"/>
+              <a:t>에게 일어난다</a:t>
+            </a:r>
+            <a:r>
+              <a:rPr kumimoji="1" lang="en-US" altLang="ko-KR" sz="1800" dirty="0"/>
+              <a:t>.</a:t>
+            </a:r>
+          </a:p>
+          <a:p>
+            <a:pPr>
+              <a:buFontTx/>
+              <a:buChar char="-"/>
+            </a:pPr>
+            <a:r>
+              <a:rPr kumimoji="1" lang="ko-KR" altLang="en-US" sz="1800" dirty="0">
+                <a:solidFill>
+                  <a:srgbClr val="FF0000"/>
+                </a:solidFill>
+              </a:rPr>
+              <a:t>돌연변이가 일어날 확률은 </a:t>
+            </a:r>
+            <a:r>
+              <a:rPr kumimoji="1" lang="en-US" altLang="ko-KR" sz="1800" dirty="0">
+                <a:solidFill>
+                  <a:srgbClr val="FF0000"/>
+                </a:solidFill>
+              </a:rPr>
+              <a:t>10%</a:t>
+            </a:r>
+            <a:r>
+              <a:rPr kumimoji="1" lang="ko-KR" altLang="en-US" sz="1800" dirty="0" err="1"/>
+              <a:t>라고</a:t>
+            </a:r>
+            <a:r>
+              <a:rPr kumimoji="1" lang="ko-KR" altLang="en-US" sz="1800" dirty="0"/>
+              <a:t> 가정한다</a:t>
+            </a:r>
+            <a:r>
+              <a:rPr kumimoji="1" lang="en-US" altLang="ko-KR" sz="1800" dirty="0"/>
+              <a:t>.</a:t>
+            </a:r>
+          </a:p>
+          <a:p>
+            <a:pPr>
+              <a:buFontTx/>
+              <a:buChar char="-"/>
+            </a:pPr>
+            <a:r>
+              <a:rPr kumimoji="1" lang="ko-KR" altLang="en-US" sz="1800" dirty="0"/>
+              <a:t>돌연변이가 일어날 경우</a:t>
+            </a:r>
+            <a:r>
+              <a:rPr kumimoji="1" lang="en-US" altLang="ko-KR" sz="1800" dirty="0"/>
+              <a:t>,</a:t>
+            </a:r>
+            <a:r>
+              <a:rPr kumimoji="1" lang="ko-KR" altLang="en-US" sz="1800" dirty="0"/>
+              <a:t> </a:t>
+            </a:r>
+            <a:r>
+              <a:rPr kumimoji="1" lang="en-US" altLang="ko-KR" sz="1800" dirty="0"/>
+              <a:t>chromosome</a:t>
+            </a:r>
+            <a:r>
+              <a:rPr kumimoji="1" lang="ko-KR" altLang="en-US" sz="1800" dirty="0"/>
+              <a:t>에서 랜덤으로 하나의 유전자를 선택한 후</a:t>
+            </a:r>
+            <a:r>
+              <a:rPr kumimoji="1" lang="en-US" altLang="ko-KR" sz="1800" dirty="0"/>
+              <a:t>,</a:t>
+            </a:r>
+            <a:r>
+              <a:rPr kumimoji="1" lang="ko-KR" altLang="en-US" sz="1800" dirty="0"/>
+              <a:t> </a:t>
+            </a:r>
+            <a:r>
+              <a:rPr kumimoji="1" lang="en-US" altLang="ko-KR" sz="1800" dirty="0"/>
+              <a:t>0</a:t>
+            </a:r>
+            <a:r>
+              <a:rPr kumimoji="1" lang="ko-KR" altLang="en-US" sz="1800" dirty="0"/>
+              <a:t>과 </a:t>
+            </a:r>
+            <a:r>
+              <a:rPr kumimoji="1" lang="en-US" altLang="ko-KR" sz="1800" dirty="0"/>
+              <a:t>1</a:t>
+            </a:r>
+            <a:r>
+              <a:rPr kumimoji="1" lang="ko-KR" altLang="en-US" sz="1800" dirty="0"/>
+              <a:t>을 변경시킨다</a:t>
+            </a:r>
+            <a:r>
+              <a:rPr kumimoji="1" lang="en-US" altLang="ko-KR" sz="1800" dirty="0"/>
+              <a:t>.</a:t>
+            </a:r>
+          </a:p>
+          <a:p>
+            <a:pPr>
+              <a:buFontTx/>
+              <a:buChar char="-"/>
+            </a:pPr>
+            <a:r>
+              <a:rPr kumimoji="1" lang="ko-KR" altLang="en-US" sz="1800" dirty="0"/>
+              <a:t>이번 예제에서는 </a:t>
+            </a:r>
+            <a:r>
+              <a:rPr kumimoji="1" lang="en-US" altLang="ko-KR" sz="1800" dirty="0"/>
+              <a:t>crossover</a:t>
+            </a:r>
+            <a:r>
+              <a:rPr kumimoji="1" lang="ko-KR" altLang="en-US" sz="1800" dirty="0"/>
+              <a:t>중심으로 할 것이기 때문에</a:t>
+            </a:r>
+            <a:r>
+              <a:rPr kumimoji="1" lang="en-US" altLang="ko-KR" sz="1800" dirty="0"/>
+              <a:t>,</a:t>
+            </a:r>
+            <a:r>
+              <a:rPr kumimoji="1" lang="ko-KR" altLang="en-US" sz="1800" dirty="0"/>
+              <a:t> 확률을 높게 설정하진 않았다</a:t>
+            </a:r>
+            <a:r>
+              <a:rPr kumimoji="1" lang="en-US" altLang="ko-KR" sz="1800" dirty="0"/>
+              <a:t>.</a:t>
+            </a:r>
+            <a:endParaRPr kumimoji="1" lang="ko-KR" altLang="en-US" sz="1800" dirty="0"/>
+          </a:p>
+        </p:txBody>
+      </p:sp>
+      <p:pic>
+        <p:nvPicPr>
+          <p:cNvPr id="5" name="그림 4" descr="텍스트이(가) 표시된 사진&#10;&#10;자동 생성된 설명">
+            <a:extLst>
+              <a:ext uri="{FF2B5EF4-FFF2-40B4-BE49-F238E27FC236}">
+                <a16:creationId xmlns:a16="http://schemas.microsoft.com/office/drawing/2014/main" id="{F1217815-CCF1-AD6C-A8AE-25C43094C558}"/>
+              </a:ext>
+            </a:extLst>
+          </p:cNvPr>
+          <p:cNvPicPr>
+            <a:picLocks noChangeAspect="1"/>
+          </p:cNvPicPr>
+          <p:nvPr/>
+        </p:nvPicPr>
+        <p:blipFill>
+          <a:blip r:embed="rId2"/>
+          <a:stretch>
+            <a:fillRect/>
+          </a:stretch>
+        </p:blipFill>
+        <p:spPr>
+          <a:xfrm>
+            <a:off x="838200" y="3929063"/>
+            <a:ext cx="5115910" cy="2247900"/>
+          </a:xfrm>
+          <a:prstGeom prst="rect">
+            <a:avLst/>
+          </a:prstGeom>
+        </p:spPr>
+      </p:pic>
+    </p:spTree>
+    <p:extLst>
+      <p:ext uri="{BB962C8B-B14F-4D97-AF65-F5344CB8AC3E}">
+        <p14:creationId xmlns:p14="http://schemas.microsoft.com/office/powerpoint/2010/main" val="1151213608"/>
+      </p:ext>
+    </p:extLst>
+  </p:cSld>
+  <p:clrMapOvr>
+    <a:masterClrMapping/>
+  </p:clrMapOvr>
+</p:sld>
+</file>
+
+<file path=ppt/slides/slide9.xml><?xml version="1.0" encoding="utf-8"?>
+<p:sld xmlns:a="http://schemas.openxmlformats.org/drawingml/2006/main" xmlns:r="http://schemas.openxmlformats.org/officeDocument/2006/relationships" xmlns:p="http://schemas.openxmlformats.org/presentationml/2006/main">
+  <p:cSld>
+    <p:spTree>
+      <p:nvGrpSpPr>
+        <p:cNvPr id="1" name=""/>
+        <p:cNvGrpSpPr/>
+        <p:nvPr/>
+      </p:nvGrpSpPr>
+      <p:grpSpPr>
+        <a:xfrm>
+          <a:off x="0" y="0"/>
+          <a:ext cx="0" cy="0"/>
+          <a:chOff x="0" y="0"/>
+          <a:chExt cx="0" cy="0"/>
+        </a:xfrm>
+      </p:grpSpPr>
+      <p:sp>
+        <p:nvSpPr>
+          <p:cNvPr id="2" name="제목 1">
+            <a:extLst>
+              <a:ext uri="{FF2B5EF4-FFF2-40B4-BE49-F238E27FC236}">
+                <a16:creationId xmlns:a16="http://schemas.microsoft.com/office/drawing/2014/main" id="{2AF8EA51-D941-019F-8E55-14E6745A0FCF}"/>
+              </a:ext>
+            </a:extLst>
+          </p:cNvPr>
+          <p:cNvSpPr>
+            <a:spLocks noGrp="1"/>
+          </p:cNvSpPr>
+          <p:nvPr>
+            <p:ph type="title"/>
+          </p:nvPr>
+        </p:nvSpPr>
+        <p:spPr/>
+        <p:txBody>
+          <a:bodyPr/>
+          <a:lstStyle/>
+          <a:p>
+            <a:r>
+              <a:rPr kumimoji="1" lang="ko-KR" altLang="en-US" dirty="0"/>
+              <a:t>최종 진화 및 종료조건</a:t>
+            </a:r>
+          </a:p>
+        </p:txBody>
+      </p:sp>
+      <p:sp>
+        <p:nvSpPr>
+          <p:cNvPr id="3" name="내용 개체 틀 2">
+            <a:extLst>
+              <a:ext uri="{FF2B5EF4-FFF2-40B4-BE49-F238E27FC236}">
+                <a16:creationId xmlns:a16="http://schemas.microsoft.com/office/drawing/2014/main" id="{4A6BB3BB-F3CD-5FCB-F204-D43CABB7F4B0}"/>
+              </a:ext>
+            </a:extLst>
+          </p:cNvPr>
+          <p:cNvSpPr>
+            <a:spLocks noGrp="1"/>
+          </p:cNvSpPr>
+          <p:nvPr>
+            <p:ph idx="1"/>
+          </p:nvPr>
+        </p:nvSpPr>
+        <p:spPr/>
+        <p:txBody>
+          <a:bodyPr>
+            <a:normAutofit/>
+          </a:bodyPr>
+          <a:lstStyle/>
+          <a:p>
+            <a:pPr>
+              <a:buFontTx/>
+              <a:buChar char="-"/>
+            </a:pPr>
+            <a:r>
+              <a:rPr kumimoji="1" lang="ko-KR" altLang="en-US" sz="1800" dirty="0"/>
+              <a:t>종료조건 </a:t>
+            </a:r>
+            <a:r>
+              <a:rPr kumimoji="1" lang="en-US" altLang="ko-KR" sz="1800" dirty="0"/>
+              <a:t>:</a:t>
+            </a:r>
+            <a:r>
+              <a:rPr kumimoji="1" lang="ko-KR" altLang="en-US" sz="1800" dirty="0"/>
+              <a:t> </a:t>
+            </a:r>
+            <a:r>
+              <a:rPr kumimoji="1" lang="ko-KR" altLang="en-US" sz="1800" dirty="0">
+                <a:solidFill>
+                  <a:srgbClr val="FF0000"/>
+                </a:solidFill>
+              </a:rPr>
+              <a:t>최댓값이 </a:t>
+            </a:r>
+            <a:r>
+              <a:rPr kumimoji="1" lang="en-US" altLang="ko-KR" sz="1800" dirty="0">
+                <a:solidFill>
+                  <a:srgbClr val="FF0000"/>
+                </a:solidFill>
+              </a:rPr>
+              <a:t>2.85</a:t>
+            </a:r>
+            <a:r>
+              <a:rPr kumimoji="1" lang="ko-KR" altLang="en-US" sz="1800" dirty="0">
+                <a:solidFill>
+                  <a:srgbClr val="FF0000"/>
+                </a:solidFill>
+              </a:rPr>
+              <a:t> 이상</a:t>
+            </a:r>
+            <a:r>
+              <a:rPr kumimoji="1" lang="ko-KR" altLang="en-US" sz="1800" dirty="0"/>
+              <a:t>이 나왔거나</a:t>
+            </a:r>
+            <a:r>
+              <a:rPr kumimoji="1" lang="en-US" altLang="ko-KR" sz="1800" dirty="0"/>
+              <a:t>,</a:t>
+            </a:r>
+            <a:r>
+              <a:rPr kumimoji="1" lang="ko-KR" altLang="en-US" sz="1800" dirty="0"/>
+              <a:t> </a:t>
+            </a:r>
+            <a:r>
+              <a:rPr kumimoji="1" lang="en-US" altLang="ko-KR" sz="1800" dirty="0">
+                <a:solidFill>
+                  <a:srgbClr val="FF0000"/>
+                </a:solidFill>
+              </a:rPr>
+              <a:t>30</a:t>
+            </a:r>
+            <a:r>
+              <a:rPr kumimoji="1" lang="ko-KR" altLang="en-US" sz="1800" dirty="0">
+                <a:solidFill>
+                  <a:srgbClr val="FF0000"/>
+                </a:solidFill>
+              </a:rPr>
+              <a:t>세대</a:t>
+            </a:r>
+            <a:r>
+              <a:rPr kumimoji="1" lang="ko-KR" altLang="en-US" sz="1800" dirty="0"/>
+              <a:t>까지 진화할 경우 종료한다</a:t>
+            </a:r>
+            <a:r>
+              <a:rPr kumimoji="1" lang="en-US" altLang="ko-KR" sz="1800" dirty="0"/>
+              <a:t>.</a:t>
+            </a:r>
+          </a:p>
+          <a:p>
+            <a:pPr>
+              <a:buFontTx/>
+              <a:buChar char="-"/>
+            </a:pPr>
+            <a:r>
+              <a:rPr kumimoji="1" lang="ko-KR" altLang="en-US" sz="1800" dirty="0"/>
+              <a:t>진화를 거듭할수록 점점 최댓값을 향해 찾아가는 걸 알 수 있다</a:t>
+            </a:r>
+            <a:r>
+              <a:rPr kumimoji="1" lang="en-US" altLang="ko-KR" sz="1800" dirty="0"/>
+              <a:t>.</a:t>
+            </a:r>
+          </a:p>
+          <a:p>
+            <a:pPr>
+              <a:buFontTx/>
+              <a:buChar char="-"/>
+            </a:pPr>
+            <a:r>
+              <a:rPr kumimoji="1" lang="en-US" altLang="ko-KR" sz="1800" dirty="0"/>
+              <a:t>25</a:t>
+            </a:r>
+            <a:r>
+              <a:rPr kumimoji="1" lang="ko-KR" altLang="en-US" sz="1800" dirty="0"/>
+              <a:t>세대에 도달하면 최댓값이 </a:t>
+            </a:r>
+            <a:r>
+              <a:rPr kumimoji="1" lang="en-US" altLang="ko-KR" sz="1800" dirty="0"/>
+              <a:t>2.85</a:t>
+            </a:r>
+            <a:r>
+              <a:rPr kumimoji="1" lang="ko-KR" altLang="en-US" sz="1800" dirty="0"/>
+              <a:t>가 </a:t>
+            </a:r>
+            <a:endParaRPr kumimoji="1" lang="en-US" altLang="ko-KR" sz="1800" dirty="0"/>
+          </a:p>
+          <a:p>
+            <a:pPr marL="0" indent="0">
+              <a:buNone/>
+            </a:pPr>
+            <a:r>
+              <a:rPr kumimoji="1" lang="ko-KR" altLang="en-US" sz="1800" dirty="0"/>
+              <a:t>   넘어서 종료하는 것을 볼 수 있다</a:t>
+            </a:r>
+            <a:r>
+              <a:rPr kumimoji="1" lang="en-US" altLang="ko-KR" sz="1800" dirty="0"/>
+              <a:t>.	</a:t>
+            </a:r>
+          </a:p>
+        </p:txBody>
+      </p:sp>
+      <p:pic>
+        <p:nvPicPr>
+          <p:cNvPr id="56" name="그림 55" descr="화살이(가) 표시된 사진&#10;&#10;자동 생성된 설명">
+            <a:extLst>
+              <a:ext uri="{FF2B5EF4-FFF2-40B4-BE49-F238E27FC236}">
+                <a16:creationId xmlns:a16="http://schemas.microsoft.com/office/drawing/2014/main" id="{9D4C735F-7449-2D31-EA06-706A42BB6AD4}"/>
+              </a:ext>
+            </a:extLst>
+          </p:cNvPr>
+          <p:cNvPicPr>
+            <a:picLocks noChangeAspect="1"/>
+          </p:cNvPicPr>
+          <p:nvPr/>
+        </p:nvPicPr>
+        <p:blipFill>
+          <a:blip r:embed="rId2"/>
+          <a:stretch>
+            <a:fillRect/>
+          </a:stretch>
+        </p:blipFill>
+        <p:spPr>
+          <a:xfrm>
+            <a:off x="5291836" y="2242077"/>
+            <a:ext cx="6644132" cy="4615923"/>
+          </a:xfrm>
+          <a:prstGeom prst="rect">
+            <a:avLst/>
+          </a:prstGeom>
+        </p:spPr>
+      </p:pic>
+      <p:pic>
+        <p:nvPicPr>
+          <p:cNvPr id="58" name="그림 57">
+            <a:extLst>
+              <a:ext uri="{FF2B5EF4-FFF2-40B4-BE49-F238E27FC236}">
+                <a16:creationId xmlns:a16="http://schemas.microsoft.com/office/drawing/2014/main" id="{16D990C4-9635-DBC8-FF6B-EC1D6FC792FC}"/>
+              </a:ext>
+            </a:extLst>
+          </p:cNvPr>
+          <p:cNvPicPr>
+            <a:picLocks noChangeAspect="1"/>
+          </p:cNvPicPr>
+          <p:nvPr/>
+        </p:nvPicPr>
+        <p:blipFill>
+          <a:blip r:embed="rId3"/>
+          <a:stretch>
+            <a:fillRect/>
+          </a:stretch>
+        </p:blipFill>
+        <p:spPr>
+          <a:xfrm>
+            <a:off x="159766" y="3322645"/>
+            <a:ext cx="4973066" cy="3535355"/>
+          </a:xfrm>
+          <a:prstGeom prst="rect">
+            <a:avLst/>
+          </a:prstGeom>
+        </p:spPr>
+      </p:pic>
+    </p:spTree>
+    <p:extLst>
+      <p:ext uri="{BB962C8B-B14F-4D97-AF65-F5344CB8AC3E}">
+        <p14:creationId xmlns:p14="http://schemas.microsoft.com/office/powerpoint/2010/main" val="1027378195"/>
       </p:ext>
     </p:extLst>
   </p:cSld>
